--- a/discard_schematic_112520.pptx
+++ b/discard_schematic_112520.pptx
@@ -105,6 +105,11 @@
       </a:defRPr>
     </a:lvl9pPr>
   </p:defaultTextStyle>
+  <p:extLst>
+    <p:ext uri="{EFAFB233-063F-42B5-8137-9DF3F51BA10A}">
+      <p15:sldGuideLst xmlns:p15="http://schemas.microsoft.com/office/powerpoint/2012/main"/>
+    </p:ext>
+  </p:extLst>
 </p:presentation>
 </file>
 
@@ -870,7 +875,7 @@
       </dgm:t>
     </dgm:pt>
     <dgm:pt modelId="{FC6F67A1-9D22-4A0C-A21A-3F6F3DB4DDEA}">
-      <dgm:prSet phldrT="[Text]"/>
+      <dgm:prSet phldrT="[Text]" custT="1"/>
       <dgm:spPr>
         <a:solidFill>
           <a:schemeClr val="accent2">
@@ -883,10 +888,10 @@
         <a:lstStyle/>
         <a:p>
           <a:r>
-            <a:rPr lang="en-US" dirty="0" smtClean="0"/>
+            <a:rPr lang="en-US" sz="1050" dirty="0" smtClean="0"/>
             <a:t>Select species for discard calculation</a:t>
           </a:r>
-          <a:endParaRPr lang="en-US" dirty="0"/>
+          <a:endParaRPr lang="en-US" sz="1050" dirty="0"/>
         </a:p>
       </dgm:t>
     </dgm:pt>
@@ -932,9 +937,28 @@
         <a:bodyPr/>
         <a:lstStyle/>
         <a:p>
+          <a:pPr algn="l"/>
           <a:r>
             <a:rPr lang="en-US" dirty="0" smtClean="0"/>
-            <a:t>Define strata variables</a:t>
+            <a:t>Define strata </a:t>
+          </a:r>
+          <a:r>
+            <a:rPr lang="en-US" dirty="0" smtClean="0"/>
+            <a:t>variables: </a:t>
+          </a:r>
+        </a:p>
+        <a:p>
+          <a:pPr algn="l"/>
+          <a:r>
+            <a:rPr lang="en-US" dirty="0" smtClean="0"/>
+            <a:t>1) GEAR </a:t>
+          </a:r>
+        </a:p>
+        <a:p>
+          <a:pPr algn="l"/>
+          <a:r>
+            <a:rPr lang="en-US" dirty="0" smtClean="0"/>
+            <a:t>2) SECTOR/GEAR/MESH/AREA</a:t>
           </a:r>
           <a:endParaRPr lang="en-US" dirty="0"/>
         </a:p>
@@ -969,56 +993,6 @@
         </a:p>
       </dgm:t>
     </dgm:pt>
-    <dgm:pt modelId="{F798C20D-4CCD-43B7-87D3-E39734D288BD}">
-      <dgm:prSet phldrT="[Text]"/>
-      <dgm:spPr>
-        <a:solidFill>
-          <a:schemeClr val="accent2">
-            <a:lumMod val="75000"/>
-          </a:schemeClr>
-        </a:solidFill>
-      </dgm:spPr>
-      <dgm:t>
-        <a:bodyPr/>
-        <a:lstStyle/>
-        <a:p>
-          <a:r>
-            <a:rPr lang="en-US" dirty="0" smtClean="0"/>
-            <a:t>Compile catch data</a:t>
-          </a:r>
-          <a:endParaRPr lang="en-US" dirty="0"/>
-        </a:p>
-      </dgm:t>
-    </dgm:pt>
-    <dgm:pt modelId="{65CB60AB-B23A-454C-BA64-9FB76BC709AC}" type="parTrans" cxnId="{6B59A4B3-63DD-4447-91AE-05D01ADE9577}">
-      <dgm:prSet/>
-      <dgm:spPr/>
-      <dgm:t>
-        <a:bodyPr/>
-        <a:lstStyle/>
-        <a:p>
-          <a:endParaRPr lang="en-US"/>
-        </a:p>
-      </dgm:t>
-    </dgm:pt>
-    <dgm:pt modelId="{20C7E563-148D-40AF-AA5F-9773BB1E4810}" type="sibTrans" cxnId="{6B59A4B3-63DD-4447-91AE-05D01ADE9577}">
-      <dgm:prSet/>
-      <dgm:spPr>
-        <a:solidFill>
-          <a:schemeClr val="accent2">
-            <a:lumMod val="60000"/>
-            <a:lumOff val="40000"/>
-          </a:schemeClr>
-        </a:solidFill>
-      </dgm:spPr>
-      <dgm:t>
-        <a:bodyPr/>
-        <a:lstStyle/>
-        <a:p>
-          <a:endParaRPr lang="en-US"/>
-        </a:p>
-      </dgm:t>
-    </dgm:pt>
     <dgm:pt modelId="{E360E783-39DC-4836-932C-E0891C91F88D}">
       <dgm:prSet phldrT="[Text]"/>
       <dgm:spPr>
@@ -1032,6 +1006,7 @@
         <a:bodyPr/>
         <a:lstStyle/>
         <a:p>
+          <a:pPr algn="l"/>
           <a:r>
             <a:rPr lang="en-US" dirty="0" smtClean="0"/>
             <a:t>Compile </a:t>
@@ -1042,8 +1017,29 @@
           </a:r>
           <a:r>
             <a:rPr lang="en-US" dirty="0" smtClean="0"/>
-            <a:t> data</a:t>
+            <a:t> </a:t>
           </a:r>
+          <a:r>
+            <a:rPr lang="en-US" dirty="0" smtClean="0"/>
+            <a:t>data: get d/k for </a:t>
+          </a:r>
+        </a:p>
+        <a:p>
+          <a:pPr algn="l"/>
+          <a:r>
+            <a:rPr lang="en-US" dirty="0" smtClean="0"/>
+            <a:t>1) broad gear based strata and </a:t>
+          </a:r>
+        </a:p>
+        <a:p>
+          <a:pPr algn="l"/>
+          <a:r>
+            <a:rPr lang="en-US" dirty="0" smtClean="0"/>
+            <a:t>2) SEC/GEAR/MESH/AREA </a:t>
+          </a:r>
+        </a:p>
+        <a:p>
+          <a:pPr algn="ctr"/>
           <a:endParaRPr lang="en-US" dirty="0"/>
         </a:p>
       </dgm:t>
@@ -1303,7 +1299,44 @@
         </a:p>
       </dgm:t>
     </dgm:pt>
-    <dgm:pt modelId="{6D733DB5-F33D-4440-B5E3-D7FEF30D1D36}">
+    <dgm:pt modelId="{69EF35AA-79EF-4223-A4CF-4495E5AD48B5}">
+      <dgm:prSet/>
+      <dgm:spPr/>
+      <dgm:t>
+        <a:bodyPr/>
+        <a:lstStyle/>
+        <a:p>
+          <a:r>
+            <a:rPr lang="en-US" dirty="0" smtClean="0"/>
+            <a:t>Apply rate to trips by strata</a:t>
+          </a:r>
+          <a:endParaRPr lang="en-US" dirty="0"/>
+        </a:p>
+      </dgm:t>
+    </dgm:pt>
+    <dgm:pt modelId="{FF79C6B4-473C-4547-BC98-0734EED5C151}" type="parTrans" cxnId="{B0245CF5-CEEE-4CA2-80E9-CD6DF686BC9F}">
+      <dgm:prSet/>
+      <dgm:spPr/>
+      <dgm:t>
+        <a:bodyPr/>
+        <a:lstStyle/>
+        <a:p>
+          <a:endParaRPr lang="en-US"/>
+        </a:p>
+      </dgm:t>
+    </dgm:pt>
+    <dgm:pt modelId="{47464CA1-90F6-4FDA-9B1D-E64F106D2DF7}" type="sibTrans" cxnId="{B0245CF5-CEEE-4CA2-80E9-CD6DF686BC9F}">
+      <dgm:prSet/>
+      <dgm:spPr/>
+      <dgm:t>
+        <a:bodyPr/>
+        <a:lstStyle/>
+        <a:p>
+          <a:endParaRPr lang="en-US"/>
+        </a:p>
+      </dgm:t>
+    </dgm:pt>
+    <dgm:pt modelId="{CDB43846-D190-439E-B325-C650F6A5B64D}">
       <dgm:prSet/>
       <dgm:spPr>
         <a:solidFill>
@@ -1318,21 +1351,101 @@
         <a:p>
           <a:r>
             <a:rPr lang="en-US" dirty="0" smtClean="0"/>
-            <a:t>Define at trip/</a:t>
+            <a:t>OBS</a:t>
+          </a:r>
+          <a:endParaRPr lang="en-US" dirty="0"/>
+        </a:p>
+      </dgm:t>
+    </dgm:pt>
+    <dgm:pt modelId="{3311988A-3276-4913-9B03-CD9460A5B469}" type="parTrans" cxnId="{D35DCD5D-A7A0-4CA3-AB1F-9AEFF20C4AE3}">
+      <dgm:prSet/>
+      <dgm:spPr/>
+      <dgm:t>
+        <a:bodyPr/>
+        <a:lstStyle/>
+        <a:p>
+          <a:endParaRPr lang="en-US"/>
+        </a:p>
+      </dgm:t>
+    </dgm:pt>
+    <dgm:pt modelId="{02EAFD03-C80B-4625-AE45-159E145C6731}" type="sibTrans" cxnId="{D35DCD5D-A7A0-4CA3-AB1F-9AEFF20C4AE3}">
+      <dgm:prSet/>
+      <dgm:spPr/>
+      <dgm:t>
+        <a:bodyPr/>
+        <a:lstStyle/>
+        <a:p>
+          <a:endParaRPr lang="en-US"/>
+        </a:p>
+      </dgm:t>
+    </dgm:pt>
+    <dgm:pt modelId="{90D47F75-B709-4911-9055-904BD2447421}">
+      <dgm:prSet/>
+      <dgm:spPr>
+        <a:solidFill>
+          <a:schemeClr val="accent2">
+            <a:lumMod val="75000"/>
+          </a:schemeClr>
+        </a:solidFill>
+      </dgm:spPr>
+      <dgm:t>
+        <a:bodyPr/>
+        <a:lstStyle/>
+        <a:p>
+          <a:r>
+            <a:rPr lang="en-US" dirty="0" smtClean="0"/>
+            <a:t>CATCH: if no OBS strata available, apply broad strata</a:t>
+          </a:r>
+          <a:endParaRPr lang="en-US" dirty="0"/>
+        </a:p>
+      </dgm:t>
+    </dgm:pt>
+    <dgm:pt modelId="{661596D0-0C4F-496C-A3E6-794925A7E822}" type="parTrans" cxnId="{4CB19BE2-D8DE-4272-98F4-94E7C7A5C2CC}">
+      <dgm:prSet/>
+      <dgm:spPr/>
+      <dgm:t>
+        <a:bodyPr/>
+        <a:lstStyle/>
+        <a:p>
+          <a:endParaRPr lang="en-US"/>
+        </a:p>
+      </dgm:t>
+    </dgm:pt>
+    <dgm:pt modelId="{65CE93CD-2830-45A6-AF2F-2D5E3ED68A45}" type="sibTrans" cxnId="{4CB19BE2-D8DE-4272-98F4-94E7C7A5C2CC}">
+      <dgm:prSet/>
+      <dgm:spPr/>
+      <dgm:t>
+        <a:bodyPr/>
+        <a:lstStyle/>
+        <a:p>
+          <a:endParaRPr lang="en-US"/>
+        </a:p>
+      </dgm:t>
+    </dgm:pt>
+    <dgm:pt modelId="{8CB00271-920F-4470-9E46-BAF8DB6A5739}">
+      <dgm:prSet/>
+      <dgm:spPr/>
+      <dgm:t>
+        <a:bodyPr/>
+        <a:lstStyle/>
+        <a:p>
+          <a:r>
+            <a:rPr lang="en-US" dirty="0" err="1" smtClean="0"/>
+            <a:t>Mutliply</a:t>
+          </a:r>
+          <a:r>
+            <a:rPr lang="en-US" dirty="0" smtClean="0"/>
+            <a:t> rate * KALL for </a:t>
           </a:r>
           <a:r>
             <a:rPr lang="en-US" dirty="0" err="1" smtClean="0"/>
             <a:t>subtrip</a:t>
           </a:r>
-          <a:r>
-            <a:rPr lang="en-US" dirty="0" smtClean="0"/>
-            <a:t> level</a:t>
-          </a:r>
           <a:endParaRPr lang="en-US" dirty="0"/>
         </a:p>
       </dgm:t>
     </dgm:pt>
-    <dgm:pt modelId="{9114C391-64A9-41B1-8F5B-3AA01A426EA7}" type="parTrans" cxnId="{7E7857B5-0D2F-4D08-B9D6-EE6AB341C55E}">
+    <dgm:pt modelId="{48724375-D5A6-4D60-9DD7-E332A69DD3BA}" type="parTrans" cxnId="{4454BC30-D440-4518-BBA1-75DFEE798CE8}">
       <dgm:prSet/>
       <dgm:spPr/>
       <dgm:t>
@@ -1343,7 +1456,7 @@
         </a:p>
       </dgm:t>
     </dgm:pt>
-    <dgm:pt modelId="{76E5B38D-8D83-468D-BEEE-95AFF04F4CF4}" type="sibTrans" cxnId="{7E7857B5-0D2F-4D08-B9D6-EE6AB341C55E}">
+    <dgm:pt modelId="{83762025-E082-41F2-8192-D483648BA286}" type="sibTrans" cxnId="{4454BC30-D440-4518-BBA1-75DFEE798CE8}">
       <dgm:prSet/>
       <dgm:spPr/>
       <dgm:t>
@@ -1354,78 +1467,49 @@
         </a:p>
       </dgm:t>
     </dgm:pt>
-    <dgm:pt modelId="{69EF35AA-79EF-4223-A4CF-4495E5AD48B5}">
+    <dgm:pt modelId="{A2724FA8-1E6E-4190-84AC-EE75DAE9973A}">
+      <dgm:prSet/>
+      <dgm:spPr>
+        <a:solidFill>
+          <a:srgbClr val="00B050"/>
+        </a:solidFill>
+      </dgm:spPr>
+      <dgm:t>
+        <a:bodyPr/>
+        <a:lstStyle/>
+        <a:p>
+          <a:r>
+            <a:rPr lang="en-US" dirty="0" smtClean="0"/>
+            <a:t>Output table </a:t>
+          </a:r>
+          <a:r>
+            <a:rPr lang="en-US" smtClean="0"/>
+            <a:t>of species </a:t>
+          </a:r>
+          <a:r>
+            <a:rPr lang="en-US" dirty="0" smtClean="0"/>
+            <a:t>discard and DMIS </a:t>
+          </a:r>
+          <a:r>
+            <a:rPr lang="en-US" smtClean="0"/>
+            <a:t>TRIP ID</a:t>
+          </a:r>
+          <a:endParaRPr lang="en-US" dirty="0" smtClean="0"/>
+        </a:p>
+      </dgm:t>
+    </dgm:pt>
+    <dgm:pt modelId="{6B4348F9-7611-41EE-ACEE-A9238CC2FE39}" type="parTrans" cxnId="{2769811C-4503-4C44-B34B-0043D767B988}">
       <dgm:prSet/>
       <dgm:spPr/>
       <dgm:t>
         <a:bodyPr/>
         <a:lstStyle/>
         <a:p>
-          <a:r>
-            <a:rPr lang="en-US" dirty="0" smtClean="0"/>
-            <a:t>Apply rate to trips by strata</a:t>
-          </a:r>
-          <a:endParaRPr lang="en-US" dirty="0"/>
+          <a:endParaRPr lang="en-US"/>
         </a:p>
       </dgm:t>
     </dgm:pt>
-    <dgm:pt modelId="{FF79C6B4-473C-4547-BC98-0734EED5C151}" type="parTrans" cxnId="{B0245CF5-CEEE-4CA2-80E9-CD6DF686BC9F}">
-      <dgm:prSet/>
-      <dgm:spPr/>
-      <dgm:t>
-        <a:bodyPr/>
-        <a:lstStyle/>
-        <a:p>
-          <a:endParaRPr lang="en-US"/>
-        </a:p>
-      </dgm:t>
-    </dgm:pt>
-    <dgm:pt modelId="{47464CA1-90F6-4FDA-9B1D-E64F106D2DF7}" type="sibTrans" cxnId="{B0245CF5-CEEE-4CA2-80E9-CD6DF686BC9F}">
-      <dgm:prSet/>
-      <dgm:spPr/>
-      <dgm:t>
-        <a:bodyPr/>
-        <a:lstStyle/>
-        <a:p>
-          <a:endParaRPr lang="en-US"/>
-        </a:p>
-      </dgm:t>
-    </dgm:pt>
-    <dgm:pt modelId="{23BD5B7F-42B0-41FE-8813-B56B10D7F292}">
-      <dgm:prSet/>
-      <dgm:spPr/>
-      <dgm:t>
-        <a:bodyPr/>
-        <a:lstStyle/>
-        <a:p>
-          <a:r>
-            <a:rPr lang="en-US" dirty="0" smtClean="0"/>
-            <a:t>Define at trip/</a:t>
-          </a:r>
-          <a:r>
-            <a:rPr lang="en-US" dirty="0" err="1" smtClean="0"/>
-            <a:t>subtrip</a:t>
-          </a:r>
-          <a:r>
-            <a:rPr lang="en-US" dirty="0" smtClean="0"/>
-            <a:t> level</a:t>
-          </a:r>
-          <a:endParaRPr lang="en-US" dirty="0"/>
-        </a:p>
-      </dgm:t>
-    </dgm:pt>
-    <dgm:pt modelId="{4AD616AD-76FB-4526-8488-D431FE25DE34}" type="parTrans" cxnId="{4B77E332-8170-42BE-92E5-6A264C101CF7}">
-      <dgm:prSet/>
-      <dgm:spPr/>
-      <dgm:t>
-        <a:bodyPr/>
-        <a:lstStyle/>
-        <a:p>
-          <a:endParaRPr lang="en-US"/>
-        </a:p>
-      </dgm:t>
-    </dgm:pt>
-    <dgm:pt modelId="{5D5D87D5-5C7C-4AEA-8987-A3E095F6AD41}" type="sibTrans" cxnId="{4B77E332-8170-42BE-92E5-6A264C101CF7}">
+    <dgm:pt modelId="{59CC0BC7-B46D-412C-A06B-BEAEA84427AF}" type="sibTrans" cxnId="{2769811C-4503-4C44-B34B-0043D767B988}">
       <dgm:prSet/>
       <dgm:spPr/>
       <dgm:t>
@@ -1453,18 +1537,19 @@
             <a:rPr lang="en-US" dirty="0" smtClean="0"/>
             <a:t>Apply stratification </a:t>
           </a:r>
+          <a:r>
+            <a:rPr lang="en-US" dirty="0" smtClean="0"/>
+            <a:t>definition to Catch at </a:t>
+          </a:r>
+          <a:r>
+            <a:rPr lang="en-US" dirty="0" err="1" smtClean="0"/>
+            <a:t>subtrip</a:t>
+          </a:r>
+          <a:r>
+            <a:rPr lang="en-US" dirty="0" smtClean="0"/>
+            <a:t> level</a:t>
+          </a:r>
           <a:endParaRPr lang="en-US" dirty="0"/>
-        </a:p>
-      </dgm:t>
-    </dgm:pt>
-    <dgm:pt modelId="{7B708AB9-14C8-46F8-B849-C64FF3F8F476}" type="parTrans" cxnId="{78762D2A-161D-4213-97FE-C9426EF4F6D8}">
-      <dgm:prSet/>
-      <dgm:spPr/>
-      <dgm:t>
-        <a:bodyPr/>
-        <a:lstStyle/>
-        <a:p>
-          <a:endParaRPr lang="en-US"/>
         </a:p>
       </dgm:t>
     </dgm:pt>
@@ -1479,172 +1564,7 @@
         </a:p>
       </dgm:t>
     </dgm:pt>
-    <dgm:pt modelId="{CDB43846-D190-439E-B325-C650F6A5B64D}">
-      <dgm:prSet/>
-      <dgm:spPr>
-        <a:solidFill>
-          <a:schemeClr val="accent2">
-            <a:lumMod val="75000"/>
-          </a:schemeClr>
-        </a:solidFill>
-      </dgm:spPr>
-      <dgm:t>
-        <a:bodyPr/>
-        <a:lstStyle/>
-        <a:p>
-          <a:r>
-            <a:rPr lang="en-US" dirty="0" smtClean="0"/>
-            <a:t>OBS</a:t>
-          </a:r>
-          <a:endParaRPr lang="en-US" dirty="0"/>
-        </a:p>
-      </dgm:t>
-    </dgm:pt>
-    <dgm:pt modelId="{3311988A-3276-4913-9B03-CD9460A5B469}" type="parTrans" cxnId="{D35DCD5D-A7A0-4CA3-AB1F-9AEFF20C4AE3}">
-      <dgm:prSet/>
-      <dgm:spPr/>
-      <dgm:t>
-        <a:bodyPr/>
-        <a:lstStyle/>
-        <a:p>
-          <a:endParaRPr lang="en-US"/>
-        </a:p>
-      </dgm:t>
-    </dgm:pt>
-    <dgm:pt modelId="{02EAFD03-C80B-4625-AE45-159E145C6731}" type="sibTrans" cxnId="{D35DCD5D-A7A0-4CA3-AB1F-9AEFF20C4AE3}">
-      <dgm:prSet/>
-      <dgm:spPr/>
-      <dgm:t>
-        <a:bodyPr/>
-        <a:lstStyle/>
-        <a:p>
-          <a:endParaRPr lang="en-US"/>
-        </a:p>
-      </dgm:t>
-    </dgm:pt>
-    <dgm:pt modelId="{90D47F75-B709-4911-9055-904BD2447421}">
-      <dgm:prSet/>
-      <dgm:spPr>
-        <a:solidFill>
-          <a:schemeClr val="accent2">
-            <a:lumMod val="75000"/>
-          </a:schemeClr>
-        </a:solidFill>
-      </dgm:spPr>
-      <dgm:t>
-        <a:bodyPr/>
-        <a:lstStyle/>
-        <a:p>
-          <a:r>
-            <a:rPr lang="en-US" dirty="0" smtClean="0"/>
-            <a:t>CATCH: if no OBS strata available, apply broad strata</a:t>
-          </a:r>
-          <a:endParaRPr lang="en-US" dirty="0"/>
-        </a:p>
-      </dgm:t>
-    </dgm:pt>
-    <dgm:pt modelId="{661596D0-0C4F-496C-A3E6-794925A7E822}" type="parTrans" cxnId="{4CB19BE2-D8DE-4272-98F4-94E7C7A5C2CC}">
-      <dgm:prSet/>
-      <dgm:spPr/>
-      <dgm:t>
-        <a:bodyPr/>
-        <a:lstStyle/>
-        <a:p>
-          <a:endParaRPr lang="en-US"/>
-        </a:p>
-      </dgm:t>
-    </dgm:pt>
-    <dgm:pt modelId="{65CE93CD-2830-45A6-AF2F-2D5E3ED68A45}" type="sibTrans" cxnId="{4CB19BE2-D8DE-4272-98F4-94E7C7A5C2CC}">
-      <dgm:prSet/>
-      <dgm:spPr/>
-      <dgm:t>
-        <a:bodyPr/>
-        <a:lstStyle/>
-        <a:p>
-          <a:endParaRPr lang="en-US"/>
-        </a:p>
-      </dgm:t>
-    </dgm:pt>
-    <dgm:pt modelId="{8CB00271-920F-4470-9E46-BAF8DB6A5739}">
-      <dgm:prSet/>
-      <dgm:spPr/>
-      <dgm:t>
-        <a:bodyPr/>
-        <a:lstStyle/>
-        <a:p>
-          <a:r>
-            <a:rPr lang="en-US" dirty="0" err="1" smtClean="0"/>
-            <a:t>Mutliply</a:t>
-          </a:r>
-          <a:r>
-            <a:rPr lang="en-US" dirty="0" smtClean="0"/>
-            <a:t> rate * KALL for </a:t>
-          </a:r>
-          <a:r>
-            <a:rPr lang="en-US" dirty="0" err="1" smtClean="0"/>
-            <a:t>subtrip</a:t>
-          </a:r>
-          <a:endParaRPr lang="en-US" dirty="0"/>
-        </a:p>
-      </dgm:t>
-    </dgm:pt>
-    <dgm:pt modelId="{48724375-D5A6-4D60-9DD7-E332A69DD3BA}" type="parTrans" cxnId="{4454BC30-D440-4518-BBA1-75DFEE798CE8}">
-      <dgm:prSet/>
-      <dgm:spPr/>
-      <dgm:t>
-        <a:bodyPr/>
-        <a:lstStyle/>
-        <a:p>
-          <a:endParaRPr lang="en-US"/>
-        </a:p>
-      </dgm:t>
-    </dgm:pt>
-    <dgm:pt modelId="{83762025-E082-41F2-8192-D483648BA286}" type="sibTrans" cxnId="{4454BC30-D440-4518-BBA1-75DFEE798CE8}">
-      <dgm:prSet/>
-      <dgm:spPr/>
-      <dgm:t>
-        <a:bodyPr/>
-        <a:lstStyle/>
-        <a:p>
-          <a:endParaRPr lang="en-US"/>
-        </a:p>
-      </dgm:t>
-    </dgm:pt>
-    <dgm:pt modelId="{A2724FA8-1E6E-4190-84AC-EE75DAE9973A}">
-      <dgm:prSet/>
-      <dgm:spPr>
-        <a:solidFill>
-          <a:srgbClr val="00B050"/>
-        </a:solidFill>
-      </dgm:spPr>
-      <dgm:t>
-        <a:bodyPr/>
-        <a:lstStyle/>
-        <a:p>
-          <a:r>
-            <a:rPr lang="en-US" dirty="0" smtClean="0"/>
-            <a:t>Output table of discard and DMIS </a:t>
-          </a:r>
-          <a:r>
-            <a:rPr lang="en-US" smtClean="0"/>
-            <a:t>TRIP ID</a:t>
-          </a:r>
-          <a:endParaRPr lang="en-US" dirty="0" smtClean="0"/>
-        </a:p>
-      </dgm:t>
-    </dgm:pt>
-    <dgm:pt modelId="{6B4348F9-7611-41EE-ACEE-A9238CC2FE39}" type="parTrans" cxnId="{2769811C-4503-4C44-B34B-0043D767B988}">
-      <dgm:prSet/>
-      <dgm:spPr/>
-      <dgm:t>
-        <a:bodyPr/>
-        <a:lstStyle/>
-        <a:p>
-          <a:endParaRPr lang="en-US"/>
-        </a:p>
-      </dgm:t>
-    </dgm:pt>
-    <dgm:pt modelId="{59CC0BC7-B46D-412C-A06B-BEAEA84427AF}" type="sibTrans" cxnId="{2769811C-4503-4C44-B34B-0043D767B988}">
+    <dgm:pt modelId="{7B708AB9-14C8-46F8-B849-C64FF3F8F476}" type="parTrans" cxnId="{78762D2A-161D-4213-97FE-C9426EF4F6D8}">
       <dgm:prSet/>
       <dgm:spPr/>
       <dgm:t>
@@ -1663,9 +1583,16 @@
         </dgm:presLayoutVars>
       </dgm:prSet>
       <dgm:spPr/>
+      <dgm:t>
+        <a:bodyPr/>
+        <a:lstStyle/>
+        <a:p>
+          <a:endParaRPr lang="en-US"/>
+        </a:p>
+      </dgm:t>
     </dgm:pt>
     <dgm:pt modelId="{6AAA2B01-314A-4983-8E21-CC89E2BE7209}" type="pres">
-      <dgm:prSet presAssocID="{FC6F67A1-9D22-4A0C-A21A-3F6F3DB4DDEA}" presName="node" presStyleLbl="node1" presStyleIdx="0" presStyleCnt="12" custLinFactNeighborX="1908">
+      <dgm:prSet presAssocID="{FC6F67A1-9D22-4A0C-A21A-3F6F3DB4DDEA}" presName="node" presStyleLbl="node1" presStyleIdx="0" presStyleCnt="11" custLinFactNeighborX="1908">
         <dgm:presLayoutVars>
           <dgm:bulletEnabled val="1"/>
         </dgm:presLayoutVars>
@@ -1684,55 +1611,7 @@
       </dgm:t>
     </dgm:pt>
     <dgm:pt modelId="{D99A7270-39EB-4814-A2D8-0D69B508CAB4}" type="pres">
-      <dgm:prSet presAssocID="{A050A5E8-84AF-424D-A06B-1FE0C0C3F8E6}" presName="sibTrans" presStyleLbl="sibTrans2D1" presStyleIdx="0" presStyleCnt="11"/>
-      <dgm:spPr/>
-    </dgm:pt>
-    <dgm:pt modelId="{884300EC-8913-4E2A-BFB5-7405FC4DABC3}" type="pres">
-      <dgm:prSet presAssocID="{A050A5E8-84AF-424D-A06B-1FE0C0C3F8E6}" presName="connectorText" presStyleLbl="sibTrans2D1" presStyleIdx="0" presStyleCnt="11"/>
-      <dgm:spPr/>
-    </dgm:pt>
-    <dgm:pt modelId="{CC97E519-4A0D-473B-8AB4-2EF2393C7632}" type="pres">
-      <dgm:prSet presAssocID="{ED60DFA8-09CB-4434-8451-DA3342F998B5}" presName="node" presStyleLbl="node1" presStyleIdx="1" presStyleCnt="12" custLinFactNeighborX="1908">
-        <dgm:presLayoutVars>
-          <dgm:bulletEnabled val="1"/>
-        </dgm:presLayoutVars>
-      </dgm:prSet>
-      <dgm:spPr>
-        <a:prstGeom prst="ellipse">
-          <a:avLst/>
-        </a:prstGeom>
-      </dgm:spPr>
-    </dgm:pt>
-    <dgm:pt modelId="{A9B26DF7-5BC0-4053-8473-4A85C5D6BF5E}" type="pres">
-      <dgm:prSet presAssocID="{E749AA81-A22B-44AC-8699-CDFCDEBA10E0}" presName="sibTrans" presStyleLbl="sibTrans2D1" presStyleIdx="1" presStyleCnt="11"/>
-      <dgm:spPr/>
-    </dgm:pt>
-    <dgm:pt modelId="{098058DB-9004-4212-811F-971F7CAE6DEE}" type="pres">
-      <dgm:prSet presAssocID="{E749AA81-A22B-44AC-8699-CDFCDEBA10E0}" presName="connectorText" presStyleLbl="sibTrans2D1" presStyleIdx="1" presStyleCnt="11"/>
-      <dgm:spPr/>
-    </dgm:pt>
-    <dgm:pt modelId="{05A94653-5C96-4954-9916-4869620DF114}" type="pres">
-      <dgm:prSet presAssocID="{F798C20D-4CCD-43B7-87D3-E39734D288BD}" presName="node" presStyleLbl="node1" presStyleIdx="2" presStyleCnt="12">
-        <dgm:presLayoutVars>
-          <dgm:bulletEnabled val="1"/>
-        </dgm:presLayoutVars>
-      </dgm:prSet>
-      <dgm:spPr/>
-    </dgm:pt>
-    <dgm:pt modelId="{D558EFD0-0C80-4F20-B591-643D824A8E95}" type="pres">
-      <dgm:prSet presAssocID="{20C7E563-148D-40AF-AA5F-9773BB1E4810}" presName="sibTrans" presStyleLbl="sibTrans2D1" presStyleIdx="2" presStyleCnt="11"/>
-      <dgm:spPr/>
-    </dgm:pt>
-    <dgm:pt modelId="{30F4EBC4-197C-4906-A104-A46F4AC26E1A}" type="pres">
-      <dgm:prSet presAssocID="{20C7E563-148D-40AF-AA5F-9773BB1E4810}" presName="connectorText" presStyleLbl="sibTrans2D1" presStyleIdx="2" presStyleCnt="11"/>
-      <dgm:spPr/>
-    </dgm:pt>
-    <dgm:pt modelId="{617C2893-4805-460C-AB6E-1055AD35C9E6}" type="pres">
-      <dgm:prSet presAssocID="{E360E783-39DC-4836-932C-E0891C91F88D}" presName="node" presStyleLbl="node1" presStyleIdx="3" presStyleCnt="12">
-        <dgm:presLayoutVars>
-          <dgm:bulletEnabled val="1"/>
-        </dgm:presLayoutVars>
-      </dgm:prSet>
+      <dgm:prSet presAssocID="{A050A5E8-84AF-424D-A06B-1FE0C0C3F8E6}" presName="sibTrans" presStyleLbl="sibTrans2D1" presStyleIdx="0" presStyleCnt="10"/>
       <dgm:spPr/>
       <dgm:t>
         <a:bodyPr/>
@@ -1742,20 +1621,8 @@
         </a:p>
       </dgm:t>
     </dgm:pt>
-    <dgm:pt modelId="{2A238D4E-812E-4276-BC79-3982AE75940B}" type="pres">
-      <dgm:prSet presAssocID="{2456DC71-CE33-4E92-A356-B453D6EAFEA4}" presName="sibTrans" presStyleLbl="sibTrans2D1" presStyleIdx="3" presStyleCnt="11"/>
-      <dgm:spPr/>
-    </dgm:pt>
-    <dgm:pt modelId="{447E9B2F-E3D0-498C-A034-F17D78FBD133}" type="pres">
-      <dgm:prSet presAssocID="{2456DC71-CE33-4E92-A356-B453D6EAFEA4}" presName="connectorText" presStyleLbl="sibTrans2D1" presStyleIdx="3" presStyleCnt="11"/>
-      <dgm:spPr/>
-    </dgm:pt>
-    <dgm:pt modelId="{4960372A-6C31-4392-9EBA-62421916A225}" type="pres">
-      <dgm:prSet presAssocID="{1AF08F38-1E11-4A16-9C61-D4CEF1AB8434}" presName="node" presStyleLbl="node1" presStyleIdx="4" presStyleCnt="12">
-        <dgm:presLayoutVars>
-          <dgm:bulletEnabled val="1"/>
-        </dgm:presLayoutVars>
-      </dgm:prSet>
+    <dgm:pt modelId="{884300EC-8913-4E2A-BFB5-7405FC4DABC3}" type="pres">
+      <dgm:prSet presAssocID="{A050A5E8-84AF-424D-A06B-1FE0C0C3F8E6}" presName="connectorText" presStyleLbl="sibTrans2D1" presStyleIdx="0" presStyleCnt="10"/>
       <dgm:spPr/>
       <dgm:t>
         <a:bodyPr/>
@@ -1765,16 +1632,8 @@
         </a:p>
       </dgm:t>
     </dgm:pt>
-    <dgm:pt modelId="{E4CBA98E-F68B-4094-81A3-1FF8B498EF6E}" type="pres">
-      <dgm:prSet presAssocID="{4C476D2F-DF5E-49C7-B5F8-EF125B0111EB}" presName="sibTrans" presStyleLbl="sibTrans2D1" presStyleIdx="4" presStyleCnt="11"/>
-      <dgm:spPr/>
-    </dgm:pt>
-    <dgm:pt modelId="{B0B0754D-9D27-4867-8E8D-888EECF66D2E}" type="pres">
-      <dgm:prSet presAssocID="{4C476D2F-DF5E-49C7-B5F8-EF125B0111EB}" presName="connectorText" presStyleLbl="sibTrans2D1" presStyleIdx="4" presStyleCnt="11"/>
-      <dgm:spPr/>
-    </dgm:pt>
-    <dgm:pt modelId="{542E92CC-0AC0-4662-B1BF-4F9D08482302}" type="pres">
-      <dgm:prSet presAssocID="{C4D4C2AA-243E-4777-94DE-D84AB7D01F3B}" presName="node" presStyleLbl="node1" presStyleIdx="5" presStyleCnt="12">
+    <dgm:pt modelId="{CC97E519-4A0D-473B-8AB4-2EF2393C7632}" type="pres">
+      <dgm:prSet presAssocID="{ED60DFA8-09CB-4434-8451-DA3342F998B5}" presName="node" presStyleLbl="node1" presStyleIdx="1" presStyleCnt="11" custLinFactNeighborX="1908">
         <dgm:presLayoutVars>
           <dgm:bulletEnabled val="1"/>
         </dgm:presLayoutVars>
@@ -1792,16 +1651,104 @@
         </a:p>
       </dgm:t>
     </dgm:pt>
-    <dgm:pt modelId="{42AA5858-B301-4F0B-92EF-141AFBC51465}" type="pres">
-      <dgm:prSet presAssocID="{A0215EB4-991E-4194-8450-48691E3DCB83}" presName="sibTrans" presStyleLbl="sibTrans2D1" presStyleIdx="5" presStyleCnt="11"/>
+    <dgm:pt modelId="{A9B26DF7-5BC0-4053-8473-4A85C5D6BF5E}" type="pres">
+      <dgm:prSet presAssocID="{E749AA81-A22B-44AC-8699-CDFCDEBA10E0}" presName="sibTrans" presStyleLbl="sibTrans2D1" presStyleIdx="1" presStyleCnt="10"/>
       <dgm:spPr/>
+      <dgm:t>
+        <a:bodyPr/>
+        <a:lstStyle/>
+        <a:p>
+          <a:endParaRPr lang="en-US"/>
+        </a:p>
+      </dgm:t>
     </dgm:pt>
-    <dgm:pt modelId="{A88A93FE-4E96-4DFB-BEE4-496EFB500097}" type="pres">
-      <dgm:prSet presAssocID="{A0215EB4-991E-4194-8450-48691E3DCB83}" presName="connectorText" presStyleLbl="sibTrans2D1" presStyleIdx="5" presStyleCnt="11"/>
+    <dgm:pt modelId="{098058DB-9004-4212-811F-971F7CAE6DEE}" type="pres">
+      <dgm:prSet presAssocID="{E749AA81-A22B-44AC-8699-CDFCDEBA10E0}" presName="connectorText" presStyleLbl="sibTrans2D1" presStyleIdx="1" presStyleCnt="10"/>
       <dgm:spPr/>
+      <dgm:t>
+        <a:bodyPr/>
+        <a:lstStyle/>
+        <a:p>
+          <a:endParaRPr lang="en-US"/>
+        </a:p>
+      </dgm:t>
     </dgm:pt>
-    <dgm:pt modelId="{F5E04CE5-22EA-47D6-BFF1-F92225CBAFB2}" type="pres">
-      <dgm:prSet presAssocID="{DD0852AA-0DB1-48AD-9F13-1A5B3B78FCBD}" presName="node" presStyleLbl="node1" presStyleIdx="6" presStyleCnt="12">
+    <dgm:pt modelId="{617C2893-4805-460C-AB6E-1055AD35C9E6}" type="pres">
+      <dgm:prSet presAssocID="{E360E783-39DC-4836-932C-E0891C91F88D}" presName="node" presStyleLbl="node1" presStyleIdx="2" presStyleCnt="11">
+        <dgm:presLayoutVars>
+          <dgm:bulletEnabled val="1"/>
+        </dgm:presLayoutVars>
+      </dgm:prSet>
+      <dgm:spPr/>
+      <dgm:t>
+        <a:bodyPr/>
+        <a:lstStyle/>
+        <a:p>
+          <a:endParaRPr lang="en-US"/>
+        </a:p>
+      </dgm:t>
+    </dgm:pt>
+    <dgm:pt modelId="{2A238D4E-812E-4276-BC79-3982AE75940B}" type="pres">
+      <dgm:prSet presAssocID="{2456DC71-CE33-4E92-A356-B453D6EAFEA4}" presName="sibTrans" presStyleLbl="sibTrans2D1" presStyleIdx="2" presStyleCnt="10"/>
+      <dgm:spPr/>
+      <dgm:t>
+        <a:bodyPr/>
+        <a:lstStyle/>
+        <a:p>
+          <a:endParaRPr lang="en-US"/>
+        </a:p>
+      </dgm:t>
+    </dgm:pt>
+    <dgm:pt modelId="{447E9B2F-E3D0-498C-A034-F17D78FBD133}" type="pres">
+      <dgm:prSet presAssocID="{2456DC71-CE33-4E92-A356-B453D6EAFEA4}" presName="connectorText" presStyleLbl="sibTrans2D1" presStyleIdx="2" presStyleCnt="10"/>
+      <dgm:spPr/>
+      <dgm:t>
+        <a:bodyPr/>
+        <a:lstStyle/>
+        <a:p>
+          <a:endParaRPr lang="en-US"/>
+        </a:p>
+      </dgm:t>
+    </dgm:pt>
+    <dgm:pt modelId="{4960372A-6C31-4392-9EBA-62421916A225}" type="pres">
+      <dgm:prSet presAssocID="{1AF08F38-1E11-4A16-9C61-D4CEF1AB8434}" presName="node" presStyleLbl="node1" presStyleIdx="3" presStyleCnt="11">
+        <dgm:presLayoutVars>
+          <dgm:bulletEnabled val="1"/>
+        </dgm:presLayoutVars>
+      </dgm:prSet>
+      <dgm:spPr/>
+      <dgm:t>
+        <a:bodyPr/>
+        <a:lstStyle/>
+        <a:p>
+          <a:endParaRPr lang="en-US"/>
+        </a:p>
+      </dgm:t>
+    </dgm:pt>
+    <dgm:pt modelId="{E4CBA98E-F68B-4094-81A3-1FF8B498EF6E}" type="pres">
+      <dgm:prSet presAssocID="{4C476D2F-DF5E-49C7-B5F8-EF125B0111EB}" presName="sibTrans" presStyleLbl="sibTrans2D1" presStyleIdx="3" presStyleCnt="10"/>
+      <dgm:spPr/>
+      <dgm:t>
+        <a:bodyPr/>
+        <a:lstStyle/>
+        <a:p>
+          <a:endParaRPr lang="en-US"/>
+        </a:p>
+      </dgm:t>
+    </dgm:pt>
+    <dgm:pt modelId="{B0B0754D-9D27-4867-8E8D-888EECF66D2E}" type="pres">
+      <dgm:prSet presAssocID="{4C476D2F-DF5E-49C7-B5F8-EF125B0111EB}" presName="connectorText" presStyleLbl="sibTrans2D1" presStyleIdx="3" presStyleCnt="10"/>
+      <dgm:spPr/>
+      <dgm:t>
+        <a:bodyPr/>
+        <a:lstStyle/>
+        <a:p>
+          <a:endParaRPr lang="en-US"/>
+        </a:p>
+      </dgm:t>
+    </dgm:pt>
+    <dgm:pt modelId="{542E92CC-0AC0-4662-B1BF-4F9D08482302}" type="pres">
+      <dgm:prSet presAssocID="{C4D4C2AA-243E-4777-94DE-D84AB7D01F3B}" presName="node" presStyleLbl="node1" presStyleIdx="4" presStyleCnt="11">
         <dgm:presLayoutVars>
           <dgm:bulletEnabled val="1"/>
         </dgm:presLayoutVars>
@@ -1819,16 +1766,30 @@
         </a:p>
       </dgm:t>
     </dgm:pt>
-    <dgm:pt modelId="{CE6D5E99-D055-43C9-A6A8-34E1F32D3BF1}" type="pres">
-      <dgm:prSet presAssocID="{AEB46061-1E26-4E62-A5D7-EC49CB629BB4}" presName="sibTrans" presStyleLbl="sibTrans2D1" presStyleIdx="6" presStyleCnt="11"/>
+    <dgm:pt modelId="{42AA5858-B301-4F0B-92EF-141AFBC51465}" type="pres">
+      <dgm:prSet presAssocID="{A0215EB4-991E-4194-8450-48691E3DCB83}" presName="sibTrans" presStyleLbl="sibTrans2D1" presStyleIdx="4" presStyleCnt="10"/>
       <dgm:spPr/>
+      <dgm:t>
+        <a:bodyPr/>
+        <a:lstStyle/>
+        <a:p>
+          <a:endParaRPr lang="en-US"/>
+        </a:p>
+      </dgm:t>
     </dgm:pt>
-    <dgm:pt modelId="{18237054-D0C7-4F9E-BC99-AD64AF5F425B}" type="pres">
-      <dgm:prSet presAssocID="{AEB46061-1E26-4E62-A5D7-EC49CB629BB4}" presName="connectorText" presStyleLbl="sibTrans2D1" presStyleIdx="6" presStyleCnt="11"/>
+    <dgm:pt modelId="{A88A93FE-4E96-4DFB-BEE4-496EFB500097}" type="pres">
+      <dgm:prSet presAssocID="{A0215EB4-991E-4194-8450-48691E3DCB83}" presName="connectorText" presStyleLbl="sibTrans2D1" presStyleIdx="4" presStyleCnt="10"/>
       <dgm:spPr/>
+      <dgm:t>
+        <a:bodyPr/>
+        <a:lstStyle/>
+        <a:p>
+          <a:endParaRPr lang="en-US"/>
+        </a:p>
+      </dgm:t>
     </dgm:pt>
-    <dgm:pt modelId="{679947BB-EE38-46B0-97EE-3E04560C824E}" type="pres">
-      <dgm:prSet presAssocID="{462626DB-9507-4007-BF55-1EEACF503FA6}" presName="node" presStyleLbl="node1" presStyleIdx="7" presStyleCnt="12">
+    <dgm:pt modelId="{F5E04CE5-22EA-47D6-BFF1-F92225CBAFB2}" type="pres">
+      <dgm:prSet presAssocID="{DD0852AA-0DB1-48AD-9F13-1A5B3B78FCBD}" presName="node" presStyleLbl="node1" presStyleIdx="5" presStyleCnt="11">
         <dgm:presLayoutVars>
           <dgm:bulletEnabled val="1"/>
         </dgm:presLayoutVars>
@@ -1846,16 +1807,30 @@
         </a:p>
       </dgm:t>
     </dgm:pt>
-    <dgm:pt modelId="{A5F13CC2-9826-4699-A331-75172EE98A65}" type="pres">
-      <dgm:prSet presAssocID="{836014EB-E3FA-46E5-BF15-2D855296BA9D}" presName="sibTrans" presStyleLbl="sibTrans2D1" presStyleIdx="7" presStyleCnt="11"/>
+    <dgm:pt modelId="{CE6D5E99-D055-43C9-A6A8-34E1F32D3BF1}" type="pres">
+      <dgm:prSet presAssocID="{AEB46061-1E26-4E62-A5D7-EC49CB629BB4}" presName="sibTrans" presStyleLbl="sibTrans2D1" presStyleIdx="5" presStyleCnt="10"/>
       <dgm:spPr/>
+      <dgm:t>
+        <a:bodyPr/>
+        <a:lstStyle/>
+        <a:p>
+          <a:endParaRPr lang="en-US"/>
+        </a:p>
+      </dgm:t>
     </dgm:pt>
-    <dgm:pt modelId="{98C40EB6-CCF7-40A0-83C9-9E1BE1767E47}" type="pres">
-      <dgm:prSet presAssocID="{836014EB-E3FA-46E5-BF15-2D855296BA9D}" presName="connectorText" presStyleLbl="sibTrans2D1" presStyleIdx="7" presStyleCnt="11"/>
+    <dgm:pt modelId="{18237054-D0C7-4F9E-BC99-AD64AF5F425B}" type="pres">
+      <dgm:prSet presAssocID="{AEB46061-1E26-4E62-A5D7-EC49CB629BB4}" presName="connectorText" presStyleLbl="sibTrans2D1" presStyleIdx="5" presStyleCnt="10"/>
       <dgm:spPr/>
+      <dgm:t>
+        <a:bodyPr/>
+        <a:lstStyle/>
+        <a:p>
+          <a:endParaRPr lang="en-US"/>
+        </a:p>
+      </dgm:t>
     </dgm:pt>
-    <dgm:pt modelId="{DFA4FB02-9392-4434-85B7-68CB77108728}" type="pres">
-      <dgm:prSet presAssocID="{CD9D4381-D1A4-4191-B8FF-30953152E777}" presName="node" presStyleLbl="node1" presStyleIdx="8" presStyleCnt="12">
+    <dgm:pt modelId="{679947BB-EE38-46B0-97EE-3E04560C824E}" type="pres">
+      <dgm:prSet presAssocID="{462626DB-9507-4007-BF55-1EEACF503FA6}" presName="node" presStyleLbl="node1" presStyleIdx="6" presStyleCnt="11">
         <dgm:presLayoutVars>
           <dgm:bulletEnabled val="1"/>
         </dgm:presLayoutVars>
@@ -1873,16 +1848,30 @@
         </a:p>
       </dgm:t>
     </dgm:pt>
-    <dgm:pt modelId="{B99AE0C0-AF34-491D-8022-EE0D2E1319C2}" type="pres">
-      <dgm:prSet presAssocID="{1160C2BE-2CFB-4D72-A139-85996EF480CA}" presName="sibTrans" presStyleLbl="sibTrans2D1" presStyleIdx="8" presStyleCnt="11"/>
+    <dgm:pt modelId="{A5F13CC2-9826-4699-A331-75172EE98A65}" type="pres">
+      <dgm:prSet presAssocID="{836014EB-E3FA-46E5-BF15-2D855296BA9D}" presName="sibTrans" presStyleLbl="sibTrans2D1" presStyleIdx="6" presStyleCnt="10"/>
       <dgm:spPr/>
+      <dgm:t>
+        <a:bodyPr/>
+        <a:lstStyle/>
+        <a:p>
+          <a:endParaRPr lang="en-US"/>
+        </a:p>
+      </dgm:t>
     </dgm:pt>
-    <dgm:pt modelId="{BE62ADCF-6564-4231-A5D4-2BA039032D45}" type="pres">
-      <dgm:prSet presAssocID="{1160C2BE-2CFB-4D72-A139-85996EF480CA}" presName="connectorText" presStyleLbl="sibTrans2D1" presStyleIdx="8" presStyleCnt="11"/>
+    <dgm:pt modelId="{98C40EB6-CCF7-40A0-83C9-9E1BE1767E47}" type="pres">
+      <dgm:prSet presAssocID="{836014EB-E3FA-46E5-BF15-2D855296BA9D}" presName="connectorText" presStyleLbl="sibTrans2D1" presStyleIdx="6" presStyleCnt="10"/>
       <dgm:spPr/>
+      <dgm:t>
+        <a:bodyPr/>
+        <a:lstStyle/>
+        <a:p>
+          <a:endParaRPr lang="en-US"/>
+        </a:p>
+      </dgm:t>
     </dgm:pt>
-    <dgm:pt modelId="{9ACF0091-C5F6-4DD4-924F-8C30B9DB953E}" type="pres">
-      <dgm:prSet presAssocID="{69EF35AA-79EF-4223-A4CF-4495E5AD48B5}" presName="node" presStyleLbl="node1" presStyleIdx="9" presStyleCnt="12">
+    <dgm:pt modelId="{DFA4FB02-9392-4434-85B7-68CB77108728}" type="pres">
+      <dgm:prSet presAssocID="{CD9D4381-D1A4-4191-B8FF-30953152E777}" presName="node" presStyleLbl="node1" presStyleIdx="7" presStyleCnt="11">
         <dgm:presLayoutVars>
           <dgm:bulletEnabled val="1"/>
         </dgm:presLayoutVars>
@@ -1900,16 +1889,30 @@
         </a:p>
       </dgm:t>
     </dgm:pt>
-    <dgm:pt modelId="{84BE0FBC-212E-480F-89BB-D6C55A2759E6}" type="pres">
-      <dgm:prSet presAssocID="{47464CA1-90F6-4FDA-9B1D-E64F106D2DF7}" presName="sibTrans" presStyleLbl="sibTrans2D1" presStyleIdx="9" presStyleCnt="11"/>
+    <dgm:pt modelId="{B99AE0C0-AF34-491D-8022-EE0D2E1319C2}" type="pres">
+      <dgm:prSet presAssocID="{1160C2BE-2CFB-4D72-A139-85996EF480CA}" presName="sibTrans" presStyleLbl="sibTrans2D1" presStyleIdx="7" presStyleCnt="10"/>
       <dgm:spPr/>
+      <dgm:t>
+        <a:bodyPr/>
+        <a:lstStyle/>
+        <a:p>
+          <a:endParaRPr lang="en-US"/>
+        </a:p>
+      </dgm:t>
     </dgm:pt>
-    <dgm:pt modelId="{51F00FB0-8B36-4C94-9A8F-76469A2BBED6}" type="pres">
-      <dgm:prSet presAssocID="{47464CA1-90F6-4FDA-9B1D-E64F106D2DF7}" presName="connectorText" presStyleLbl="sibTrans2D1" presStyleIdx="9" presStyleCnt="11"/>
+    <dgm:pt modelId="{BE62ADCF-6564-4231-A5D4-2BA039032D45}" type="pres">
+      <dgm:prSet presAssocID="{1160C2BE-2CFB-4D72-A139-85996EF480CA}" presName="connectorText" presStyleLbl="sibTrans2D1" presStyleIdx="7" presStyleCnt="10"/>
       <dgm:spPr/>
+      <dgm:t>
+        <a:bodyPr/>
+        <a:lstStyle/>
+        <a:p>
+          <a:endParaRPr lang="en-US"/>
+        </a:p>
+      </dgm:t>
     </dgm:pt>
-    <dgm:pt modelId="{7C5CE214-09D8-4B61-8648-A278FFB4DE5C}" type="pres">
-      <dgm:prSet presAssocID="{8CB00271-920F-4470-9E46-BAF8DB6A5739}" presName="node" presStyleLbl="node1" presStyleIdx="10" presStyleCnt="12">
+    <dgm:pt modelId="{9ACF0091-C5F6-4DD4-924F-8C30B9DB953E}" type="pres">
+      <dgm:prSet presAssocID="{69EF35AA-79EF-4223-A4CF-4495E5AD48B5}" presName="node" presStyleLbl="node1" presStyleIdx="8" presStyleCnt="11">
         <dgm:presLayoutVars>
           <dgm:bulletEnabled val="1"/>
         </dgm:presLayoutVars>
@@ -1919,17 +1922,79 @@
           <a:avLst/>
         </a:prstGeom>
       </dgm:spPr>
+      <dgm:t>
+        <a:bodyPr/>
+        <a:lstStyle/>
+        <a:p>
+          <a:endParaRPr lang="en-US"/>
+        </a:p>
+      </dgm:t>
+    </dgm:pt>
+    <dgm:pt modelId="{84BE0FBC-212E-480F-89BB-D6C55A2759E6}" type="pres">
+      <dgm:prSet presAssocID="{47464CA1-90F6-4FDA-9B1D-E64F106D2DF7}" presName="sibTrans" presStyleLbl="sibTrans2D1" presStyleIdx="8" presStyleCnt="10"/>
+      <dgm:spPr/>
+      <dgm:t>
+        <a:bodyPr/>
+        <a:lstStyle/>
+        <a:p>
+          <a:endParaRPr lang="en-US"/>
+        </a:p>
+      </dgm:t>
+    </dgm:pt>
+    <dgm:pt modelId="{51F00FB0-8B36-4C94-9A8F-76469A2BBED6}" type="pres">
+      <dgm:prSet presAssocID="{47464CA1-90F6-4FDA-9B1D-E64F106D2DF7}" presName="connectorText" presStyleLbl="sibTrans2D1" presStyleIdx="8" presStyleCnt="10"/>
+      <dgm:spPr/>
+      <dgm:t>
+        <a:bodyPr/>
+        <a:lstStyle/>
+        <a:p>
+          <a:endParaRPr lang="en-US"/>
+        </a:p>
+      </dgm:t>
+    </dgm:pt>
+    <dgm:pt modelId="{7C5CE214-09D8-4B61-8648-A278FFB4DE5C}" type="pres">
+      <dgm:prSet presAssocID="{8CB00271-920F-4470-9E46-BAF8DB6A5739}" presName="node" presStyleLbl="node1" presStyleIdx="9" presStyleCnt="11">
+        <dgm:presLayoutVars>
+          <dgm:bulletEnabled val="1"/>
+        </dgm:presLayoutVars>
+      </dgm:prSet>
+      <dgm:spPr>
+        <a:prstGeom prst="ellipse">
+          <a:avLst/>
+        </a:prstGeom>
+      </dgm:spPr>
+      <dgm:t>
+        <a:bodyPr/>
+        <a:lstStyle/>
+        <a:p>
+          <a:endParaRPr lang="en-US"/>
+        </a:p>
+      </dgm:t>
     </dgm:pt>
     <dgm:pt modelId="{BE8760CC-794C-4F2C-9584-E83A5185D76A}" type="pres">
-      <dgm:prSet presAssocID="{83762025-E082-41F2-8192-D483648BA286}" presName="sibTrans" presStyleLbl="sibTrans2D1" presStyleIdx="10" presStyleCnt="11"/>
+      <dgm:prSet presAssocID="{83762025-E082-41F2-8192-D483648BA286}" presName="sibTrans" presStyleLbl="sibTrans2D1" presStyleIdx="9" presStyleCnt="10"/>
       <dgm:spPr/>
+      <dgm:t>
+        <a:bodyPr/>
+        <a:lstStyle/>
+        <a:p>
+          <a:endParaRPr lang="en-US"/>
+        </a:p>
+      </dgm:t>
     </dgm:pt>
     <dgm:pt modelId="{10A317F9-13C5-4602-B564-53B936854D3B}" type="pres">
-      <dgm:prSet presAssocID="{83762025-E082-41F2-8192-D483648BA286}" presName="connectorText" presStyleLbl="sibTrans2D1" presStyleIdx="10" presStyleCnt="11"/>
+      <dgm:prSet presAssocID="{83762025-E082-41F2-8192-D483648BA286}" presName="connectorText" presStyleLbl="sibTrans2D1" presStyleIdx="9" presStyleCnt="10"/>
       <dgm:spPr/>
+      <dgm:t>
+        <a:bodyPr/>
+        <a:lstStyle/>
+        <a:p>
+          <a:endParaRPr lang="en-US"/>
+        </a:p>
+      </dgm:t>
     </dgm:pt>
     <dgm:pt modelId="{94D28A2F-DD66-4455-9C6A-FAF35AC598FE}" type="pres">
-      <dgm:prSet presAssocID="{A2724FA8-1E6E-4190-84AC-EE75DAE9973A}" presName="node" presStyleLbl="node1" presStyleIdx="11" presStyleCnt="12">
+      <dgm:prSet presAssocID="{A2724FA8-1E6E-4190-84AC-EE75DAE9973A}" presName="node" presStyleLbl="node1" presStyleIdx="10" presStyleCnt="11" custLinFactNeighborX="-43551" custLinFactNeighborY="-10854">
         <dgm:presLayoutVars>
           <dgm:bulletEnabled val="1"/>
         </dgm:presLayoutVars>
@@ -1952,49 +2017,42 @@
     <dgm:cxn modelId="{8049FB92-DA60-47D6-BB3C-BD87DFA6802A}" type="presOf" srcId="{71C8DEB9-7AE8-48FA-8E20-D27A389D8E58}" destId="{679947BB-EE38-46B0-97EE-3E04560C824E}" srcOrd="0" destOrd="1" presId="urn:microsoft.com/office/officeart/2005/8/layout/process5"/>
     <dgm:cxn modelId="{EF8FBF1B-40DE-4CCE-A324-6C11376A6926}" type="presOf" srcId="{4C476D2F-DF5E-49C7-B5F8-EF125B0111EB}" destId="{B0B0754D-9D27-4867-8E8D-888EECF66D2E}" srcOrd="1" destOrd="0" presId="urn:microsoft.com/office/officeart/2005/8/layout/process5"/>
     <dgm:cxn modelId="{3DA319CB-EECC-488F-A51E-14E2E3DAA3C8}" type="presOf" srcId="{2456DC71-CE33-4E92-A356-B453D6EAFEA4}" destId="{2A238D4E-812E-4276-BC79-3982AE75940B}" srcOrd="0" destOrd="0" presId="urn:microsoft.com/office/officeart/2005/8/layout/process5"/>
-    <dgm:cxn modelId="{A361146B-605D-43B3-87E7-CE48A3E7E060}" srcId="{AFEBBE14-6030-44F4-9AAC-04347B19DDFF}" destId="{462626DB-9507-4007-BF55-1EEACF503FA6}" srcOrd="7" destOrd="0" parTransId="{A7A56C61-FEA0-46F5-B3CB-85A1D1E4638D}" sibTransId="{836014EB-E3FA-46E5-BF15-2D855296BA9D}"/>
-    <dgm:cxn modelId="{4454BC30-D440-4518-BBA1-75DFEE798CE8}" srcId="{AFEBBE14-6030-44F4-9AAC-04347B19DDFF}" destId="{8CB00271-920F-4470-9E46-BAF8DB6A5739}" srcOrd="10" destOrd="0" parTransId="{48724375-D5A6-4D60-9DD7-E332A69DD3BA}" sibTransId="{83762025-E082-41F2-8192-D483648BA286}"/>
+    <dgm:cxn modelId="{A361146B-605D-43B3-87E7-CE48A3E7E060}" srcId="{AFEBBE14-6030-44F4-9AAC-04347B19DDFF}" destId="{462626DB-9507-4007-BF55-1EEACF503FA6}" srcOrd="6" destOrd="0" parTransId="{A7A56C61-FEA0-46F5-B3CB-85A1D1E4638D}" sibTransId="{836014EB-E3FA-46E5-BF15-2D855296BA9D}"/>
+    <dgm:cxn modelId="{4454BC30-D440-4518-BBA1-75DFEE798CE8}" srcId="{AFEBBE14-6030-44F4-9AAC-04347B19DDFF}" destId="{8CB00271-920F-4470-9E46-BAF8DB6A5739}" srcOrd="9" destOrd="0" parTransId="{48724375-D5A6-4D60-9DD7-E332A69DD3BA}" sibTransId="{83762025-E082-41F2-8192-D483648BA286}"/>
     <dgm:cxn modelId="{01489D01-1AFC-4ECC-9551-269CFE5A7127}" type="presOf" srcId="{836014EB-E3FA-46E5-BF15-2D855296BA9D}" destId="{A5F13CC2-9826-4699-A331-75172EE98A65}" srcOrd="0" destOrd="0" presId="urn:microsoft.com/office/officeart/2005/8/layout/process5"/>
-    <dgm:cxn modelId="{31ABE7E6-A1E2-475F-B781-0A5A7D9701DB}" srcId="{AFEBBE14-6030-44F4-9AAC-04347B19DDFF}" destId="{DD0852AA-0DB1-48AD-9F13-1A5B3B78FCBD}" srcOrd="6" destOrd="0" parTransId="{12CC74B0-9BB2-4137-BEA9-355E85A8FE33}" sibTransId="{AEB46061-1E26-4E62-A5D7-EC49CB629BB4}"/>
+    <dgm:cxn modelId="{31ABE7E6-A1E2-475F-B781-0A5A7D9701DB}" srcId="{AFEBBE14-6030-44F4-9AAC-04347B19DDFF}" destId="{DD0852AA-0DB1-48AD-9F13-1A5B3B78FCBD}" srcOrd="5" destOrd="0" parTransId="{12CC74B0-9BB2-4137-BEA9-355E85A8FE33}" sibTransId="{AEB46061-1E26-4E62-A5D7-EC49CB629BB4}"/>
     <dgm:cxn modelId="{86E96BBA-00B1-4734-8C59-8E386743F237}" srcId="{AFEBBE14-6030-44F4-9AAC-04347B19DDFF}" destId="{ED60DFA8-09CB-4434-8451-DA3342F998B5}" srcOrd="1" destOrd="0" parTransId="{CEE800B5-1BD8-4E1A-8329-5EA9EDC2FB59}" sibTransId="{E749AA81-A22B-44AC-8699-CDFCDEBA10E0}"/>
     <dgm:cxn modelId="{A788171F-B280-4C5C-88EF-49F25A1F5770}" type="presOf" srcId="{A050A5E8-84AF-424D-A06B-1FE0C0C3F8E6}" destId="{D99A7270-39EB-4814-A2D8-0D69B508CAB4}" srcOrd="0" destOrd="0" presId="urn:microsoft.com/office/officeart/2005/8/layout/process5"/>
-    <dgm:cxn modelId="{DA2B5D72-4919-4738-9346-B758ED8C9F37}" type="presOf" srcId="{20C7E563-148D-40AF-AA5F-9773BB1E4810}" destId="{D558EFD0-0C80-4F20-B591-643D824A8E95}" srcOrd="0" destOrd="0" presId="urn:microsoft.com/office/officeart/2005/8/layout/process5"/>
-    <dgm:cxn modelId="{90025D2F-C660-4951-BA58-60A9A384337C}" type="presOf" srcId="{23BD5B7F-42B0-41FE-8813-B56B10D7F292}" destId="{617C2893-4805-460C-AB6E-1055AD35C9E6}" srcOrd="0" destOrd="1" presId="urn:microsoft.com/office/officeart/2005/8/layout/process5"/>
     <dgm:cxn modelId="{16A56BCB-B7B9-4986-A836-B2A9C81FA9B8}" type="presOf" srcId="{8CB00271-920F-4470-9E46-BAF8DB6A5739}" destId="{7C5CE214-09D8-4B61-8648-A278FFB4DE5C}" srcOrd="0" destOrd="0" presId="urn:microsoft.com/office/officeart/2005/8/layout/process5"/>
     <dgm:cxn modelId="{60C347DC-F379-4304-BFF3-4346C7E600BD}" type="presOf" srcId="{83762025-E082-41F2-8192-D483648BA286}" destId="{BE8760CC-794C-4F2C-9584-E83A5185D76A}" srcOrd="0" destOrd="0" presId="urn:microsoft.com/office/officeart/2005/8/layout/process5"/>
     <dgm:cxn modelId="{AC41F7D0-305F-422C-9441-0FA884935B9A}" type="presOf" srcId="{FC6F67A1-9D22-4A0C-A21A-3F6F3DB4DDEA}" destId="{6AAA2B01-314A-4983-8E21-CC89E2BE7209}" srcOrd="0" destOrd="0" presId="urn:microsoft.com/office/officeart/2005/8/layout/process5"/>
     <dgm:cxn modelId="{4CB19BE2-D8DE-4272-98F4-94E7C7A5C2CC}" srcId="{1AF08F38-1E11-4A16-9C61-D4CEF1AB8434}" destId="{90D47F75-B709-4911-9055-904BD2447421}" srcOrd="1" destOrd="0" parTransId="{661596D0-0C4F-496C-A3E6-794925A7E822}" sibTransId="{65CE93CD-2830-45A6-AF2F-2D5E3ED68A45}"/>
-    <dgm:cxn modelId="{4B77E332-8170-42BE-92E5-6A264C101CF7}" srcId="{E360E783-39DC-4836-932C-E0891C91F88D}" destId="{23BD5B7F-42B0-41FE-8813-B56B10D7F292}" srcOrd="0" destOrd="0" parTransId="{4AD616AD-76FB-4526-8488-D431FE25DE34}" sibTransId="{5D5D87D5-5C7C-4AEA-8987-A3E095F6AD41}"/>
     <dgm:cxn modelId="{DE0FDE3A-5B4A-4469-9C0C-79200A5E681A}" type="presOf" srcId="{E360E783-39DC-4836-932C-E0891C91F88D}" destId="{617C2893-4805-460C-AB6E-1055AD35C9E6}" srcOrd="0" destOrd="0" presId="urn:microsoft.com/office/officeart/2005/8/layout/process5"/>
     <dgm:cxn modelId="{018FC2EC-1017-439D-9E10-143B8E8BF0FA}" type="presOf" srcId="{ED60DFA8-09CB-4434-8451-DA3342F998B5}" destId="{CC97E519-4A0D-473B-8AB4-2EF2393C7632}" srcOrd="0" destOrd="0" presId="urn:microsoft.com/office/officeart/2005/8/layout/process5"/>
-    <dgm:cxn modelId="{B0245CF5-CEEE-4CA2-80E9-CD6DF686BC9F}" srcId="{AFEBBE14-6030-44F4-9AAC-04347B19DDFF}" destId="{69EF35AA-79EF-4223-A4CF-4495E5AD48B5}" srcOrd="9" destOrd="0" parTransId="{FF79C6B4-473C-4547-BC98-0734EED5C151}" sibTransId="{47464CA1-90F6-4FDA-9B1D-E64F106D2DF7}"/>
+    <dgm:cxn modelId="{B0245CF5-CEEE-4CA2-80E9-CD6DF686BC9F}" srcId="{AFEBBE14-6030-44F4-9AAC-04347B19DDFF}" destId="{69EF35AA-79EF-4223-A4CF-4495E5AD48B5}" srcOrd="8" destOrd="0" parTransId="{FF79C6B4-473C-4547-BC98-0734EED5C151}" sibTransId="{47464CA1-90F6-4FDA-9B1D-E64F106D2DF7}"/>
     <dgm:cxn modelId="{4B9409D3-5BB5-45C8-89A1-5B6622D829B0}" type="presOf" srcId="{90D47F75-B709-4911-9055-904BD2447421}" destId="{4960372A-6C31-4392-9EBA-62421916A225}" srcOrd="0" destOrd="2" presId="urn:microsoft.com/office/officeart/2005/8/layout/process5"/>
     <dgm:cxn modelId="{62F5F1F7-7CA7-4EE9-A80C-E2A77A55745F}" type="presOf" srcId="{A050A5E8-84AF-424D-A06B-1FE0C0C3F8E6}" destId="{884300EC-8913-4E2A-BFB5-7405FC4DABC3}" srcOrd="1" destOrd="0" presId="urn:microsoft.com/office/officeart/2005/8/layout/process5"/>
-    <dgm:cxn modelId="{6B59A4B3-63DD-4447-91AE-05D01ADE9577}" srcId="{AFEBBE14-6030-44F4-9AAC-04347B19DDFF}" destId="{F798C20D-4CCD-43B7-87D3-E39734D288BD}" srcOrd="2" destOrd="0" parTransId="{65CB60AB-B23A-454C-BA64-9FB76BC709AC}" sibTransId="{20C7E563-148D-40AF-AA5F-9773BB1E4810}"/>
     <dgm:cxn modelId="{D35DCD5D-A7A0-4CA3-AB1F-9AEFF20C4AE3}" srcId="{1AF08F38-1E11-4A16-9C61-D4CEF1AB8434}" destId="{CDB43846-D190-439E-B325-C650F6A5B64D}" srcOrd="0" destOrd="0" parTransId="{3311988A-3276-4913-9B03-CD9460A5B469}" sibTransId="{02EAFD03-C80B-4625-AE45-159E145C6731}"/>
-    <dgm:cxn modelId="{CAAF8D5C-2613-4ABE-ACDF-BAD13169BBE5}" srcId="{AFEBBE14-6030-44F4-9AAC-04347B19DDFF}" destId="{C4D4C2AA-243E-4777-94DE-D84AB7D01F3B}" srcOrd="5" destOrd="0" parTransId="{3EDBFB46-F6E1-490C-B940-67918A577273}" sibTransId="{A0215EB4-991E-4194-8450-48691E3DCB83}"/>
-    <dgm:cxn modelId="{F648E80C-1C1A-47B4-82BC-74020B8A221A}" type="presOf" srcId="{F798C20D-4CCD-43B7-87D3-E39734D288BD}" destId="{05A94653-5C96-4954-9916-4869620DF114}" srcOrd="0" destOrd="0" presId="urn:microsoft.com/office/officeart/2005/8/layout/process5"/>
-    <dgm:cxn modelId="{9C0F3DD2-CD44-48AE-AC40-C214B53BC99C}" type="presOf" srcId="{20C7E563-148D-40AF-AA5F-9773BB1E4810}" destId="{30F4EBC4-197C-4906-A104-A46F4AC26E1A}" srcOrd="1" destOrd="0" presId="urn:microsoft.com/office/officeart/2005/8/layout/process5"/>
+    <dgm:cxn modelId="{CAAF8D5C-2613-4ABE-ACDF-BAD13169BBE5}" srcId="{AFEBBE14-6030-44F4-9AAC-04347B19DDFF}" destId="{C4D4C2AA-243E-4777-94DE-D84AB7D01F3B}" srcOrd="4" destOrd="0" parTransId="{3EDBFB46-F6E1-490C-B940-67918A577273}" sibTransId="{A0215EB4-991E-4194-8450-48691E3DCB83}"/>
+    <dgm:cxn modelId="{690745B6-1BD2-4703-97B6-C053739CD66F}" type="presOf" srcId="{C4D4C2AA-243E-4777-94DE-D84AB7D01F3B}" destId="{542E92CC-0AC0-4662-B1BF-4F9D08482302}" srcOrd="0" destOrd="0" presId="urn:microsoft.com/office/officeart/2005/8/layout/process5"/>
     <dgm:cxn modelId="{C177072D-5F2F-4E0D-B7D0-38CF2E4D800A}" type="presOf" srcId="{4C476D2F-DF5E-49C7-B5F8-EF125B0111EB}" destId="{E4CBA98E-F68B-4094-81A3-1FF8B498EF6E}" srcOrd="0" destOrd="0" presId="urn:microsoft.com/office/officeart/2005/8/layout/process5"/>
     <dgm:cxn modelId="{36F14279-3070-421F-84B0-5F3159643B10}" type="presOf" srcId="{E749AA81-A22B-44AC-8699-CDFCDEBA10E0}" destId="{A9B26DF7-5BC0-4053-8473-4A85C5D6BF5E}" srcOrd="0" destOrd="0" presId="urn:microsoft.com/office/officeart/2005/8/layout/process5"/>
-    <dgm:cxn modelId="{690745B6-1BD2-4703-97B6-C053739CD66F}" type="presOf" srcId="{C4D4C2AA-243E-4777-94DE-D84AB7D01F3B}" destId="{542E92CC-0AC0-4662-B1BF-4F9D08482302}" srcOrd="0" destOrd="0" presId="urn:microsoft.com/office/officeart/2005/8/layout/process5"/>
     <dgm:cxn modelId="{25EBE1B1-ABFE-4333-B6EF-45BFDA77EA26}" type="presOf" srcId="{69EF35AA-79EF-4223-A4CF-4495E5AD48B5}" destId="{9ACF0091-C5F6-4DD4-924F-8C30B9DB953E}" srcOrd="0" destOrd="0" presId="urn:microsoft.com/office/officeart/2005/8/layout/process5"/>
     <dgm:cxn modelId="{1765103E-E992-477F-8937-95A28CF87323}" type="presOf" srcId="{1160C2BE-2CFB-4D72-A139-85996EF480CA}" destId="{B99AE0C0-AF34-491D-8022-EE0D2E1319C2}" srcOrd="0" destOrd="0" presId="urn:microsoft.com/office/officeart/2005/8/layout/process5"/>
     <dgm:cxn modelId="{5A0B0FE8-594E-41EE-AE5D-BD6537A3065E}" type="presOf" srcId="{2456DC71-CE33-4E92-A356-B453D6EAFEA4}" destId="{447E9B2F-E3D0-498C-A034-F17D78FBD133}" srcOrd="1" destOrd="0" presId="urn:microsoft.com/office/officeart/2005/8/layout/process5"/>
     <dgm:cxn modelId="{7A7364EB-CAD9-44F7-A967-5E086BD60CD0}" type="presOf" srcId="{47464CA1-90F6-4FDA-9B1D-E64F106D2DF7}" destId="{51F00FB0-8B36-4C94-9A8F-76469A2BBED6}" srcOrd="1" destOrd="0" presId="urn:microsoft.com/office/officeart/2005/8/layout/process5"/>
     <dgm:cxn modelId="{446876B6-8573-423B-8C95-C5B5E150E360}" type="presOf" srcId="{A2724FA8-1E6E-4190-84AC-EE75DAE9973A}" destId="{94D28A2F-DD66-4455-9C6A-FAF35AC598FE}" srcOrd="0" destOrd="0" presId="urn:microsoft.com/office/officeart/2005/8/layout/process5"/>
-    <dgm:cxn modelId="{B4E828E0-CD24-48CB-BFF4-611A4D14D1B3}" type="presOf" srcId="{6D733DB5-F33D-4440-B5E3-D7FEF30D1D36}" destId="{05A94653-5C96-4954-9916-4869620DF114}" srcOrd="0" destOrd="1" presId="urn:microsoft.com/office/officeart/2005/8/layout/process5"/>
     <dgm:cxn modelId="{14F6F5AF-5246-4DDC-AF64-5A2CCA26C53B}" type="presOf" srcId="{83762025-E082-41F2-8192-D483648BA286}" destId="{10A317F9-13C5-4602-B564-53B936854D3B}" srcOrd="1" destOrd="0" presId="urn:microsoft.com/office/officeart/2005/8/layout/process5"/>
     <dgm:cxn modelId="{A0CCC810-D358-4001-885C-3C25C943DD06}" srcId="{C4D4C2AA-243E-4777-94DE-D84AB7D01F3B}" destId="{0CC4FEEA-9B9B-4364-B9A1-F72944439D51}" srcOrd="0" destOrd="0" parTransId="{01B354E2-F5E7-4A3D-B8C6-409F3AABB898}" sibTransId="{006297A3-8AF2-4A39-A21D-C419C07A3234}"/>
     <dgm:cxn modelId="{587CDAA9-A938-4D1B-BC46-D8BEF556989D}" type="presOf" srcId="{CD9D4381-D1A4-4191-B8FF-30953152E777}" destId="{DFA4FB02-9392-4434-85B7-68CB77108728}" srcOrd="0" destOrd="0" presId="urn:microsoft.com/office/officeart/2005/8/layout/process5"/>
     <dgm:cxn modelId="{C56388E0-5DE3-4101-AE40-36130F53364C}" type="presOf" srcId="{A0215EB4-991E-4194-8450-48691E3DCB83}" destId="{A88A93FE-4E96-4DFB-BEE4-496EFB500097}" srcOrd="1" destOrd="0" presId="urn:microsoft.com/office/officeart/2005/8/layout/process5"/>
     <dgm:cxn modelId="{87D03C36-4D76-4ADC-8B61-3A6715768758}" type="presOf" srcId="{1160C2BE-2CFB-4D72-A139-85996EF480CA}" destId="{BE62ADCF-6564-4231-A5D4-2BA039032D45}" srcOrd="1" destOrd="0" presId="urn:microsoft.com/office/officeart/2005/8/layout/process5"/>
-    <dgm:cxn modelId="{7B5FB4F4-EC6D-4596-8EEB-BB98130DEAA0}" srcId="{AFEBBE14-6030-44F4-9AAC-04347B19DDFF}" destId="{CD9D4381-D1A4-4191-B8FF-30953152E777}" srcOrd="8" destOrd="0" parTransId="{6681902F-8DC2-4C94-B7B7-20072D1720E3}" sibTransId="{1160C2BE-2CFB-4D72-A139-85996EF480CA}"/>
+    <dgm:cxn modelId="{7B5FB4F4-EC6D-4596-8EEB-BB98130DEAA0}" srcId="{AFEBBE14-6030-44F4-9AAC-04347B19DDFF}" destId="{CD9D4381-D1A4-4191-B8FF-30953152E777}" srcOrd="7" destOrd="0" parTransId="{6681902F-8DC2-4C94-B7B7-20072D1720E3}" sibTransId="{1160C2BE-2CFB-4D72-A139-85996EF480CA}"/>
     <dgm:cxn modelId="{B6758982-315B-4117-8CF9-6F63749598B0}" type="presOf" srcId="{CDB43846-D190-439E-B325-C650F6A5B64D}" destId="{4960372A-6C31-4392-9EBA-62421916A225}" srcOrd="0" destOrd="1" presId="urn:microsoft.com/office/officeart/2005/8/layout/process5"/>
     <dgm:cxn modelId="{58F86C43-0D4C-4BB8-9684-CD0DBE16577F}" type="presOf" srcId="{462626DB-9507-4007-BF55-1EEACF503FA6}" destId="{679947BB-EE38-46B0-97EE-3E04560C824E}" srcOrd="0" destOrd="0" presId="urn:microsoft.com/office/officeart/2005/8/layout/process5"/>
     <dgm:cxn modelId="{F16219EC-FAC7-4A15-8134-167D973DBAB4}" type="presOf" srcId="{E749AA81-A22B-44AC-8699-CDFCDEBA10E0}" destId="{098058DB-9004-4212-811F-971F7CAE6DEE}" srcOrd="1" destOrd="0" presId="urn:microsoft.com/office/officeart/2005/8/layout/process5"/>
+    <dgm:cxn modelId="{78762D2A-161D-4213-97FE-C9426EF4F6D8}" srcId="{AFEBBE14-6030-44F4-9AAC-04347B19DDFF}" destId="{1AF08F38-1E11-4A16-9C61-D4CEF1AB8434}" srcOrd="3" destOrd="0" parTransId="{7B708AB9-14C8-46F8-B849-C64FF3F8F476}" sibTransId="{4C476D2F-DF5E-49C7-B5F8-EF125B0111EB}"/>
     <dgm:cxn modelId="{0B39AA55-C56A-404A-BD60-D66ADB73A8FD}" type="presOf" srcId="{47464CA1-90F6-4FDA-9B1D-E64F106D2DF7}" destId="{84BE0FBC-212E-480F-89BB-D6C55A2759E6}" srcOrd="0" destOrd="0" presId="urn:microsoft.com/office/officeart/2005/8/layout/process5"/>
-    <dgm:cxn modelId="{78762D2A-161D-4213-97FE-C9426EF4F6D8}" srcId="{AFEBBE14-6030-44F4-9AAC-04347B19DDFF}" destId="{1AF08F38-1E11-4A16-9C61-D4CEF1AB8434}" srcOrd="4" destOrd="0" parTransId="{7B708AB9-14C8-46F8-B849-C64FF3F8F476}" sibTransId="{4C476D2F-DF5E-49C7-B5F8-EF125B0111EB}"/>
     <dgm:cxn modelId="{A0832FC8-1FEA-4423-AAD6-A30CE2283A1D}" type="presOf" srcId="{AEB46061-1E26-4E62-A5D7-EC49CB629BB4}" destId="{18237054-D0C7-4F9E-BC99-AD64AF5F425B}" srcOrd="1" destOrd="0" presId="urn:microsoft.com/office/officeart/2005/8/layout/process5"/>
     <dgm:cxn modelId="{B21761FA-01E5-4AB8-B196-CAA0E3C9463F}" type="presOf" srcId="{0CC4FEEA-9B9B-4364-B9A1-F72944439D51}" destId="{542E92CC-0AC0-4662-B1BF-4F9D08482302}" srcOrd="0" destOrd="1" presId="urn:microsoft.com/office/officeart/2005/8/layout/process5"/>
     <dgm:cxn modelId="{A72D2EF0-3E47-450A-BC3F-2FF40CD86429}" type="presOf" srcId="{AFEBBE14-6030-44F4-9AAC-04347B19DDFF}" destId="{4CCADBF1-7DFB-40A0-8C90-BE1B9D0765A9}" srcOrd="0" destOrd="0" presId="urn:microsoft.com/office/officeart/2005/8/layout/process5"/>
@@ -2002,10 +2060,9 @@
     <dgm:cxn modelId="{23302E0A-09D0-4B53-A54D-66134202EC8B}" type="presOf" srcId="{DD0852AA-0DB1-48AD-9F13-1A5B3B78FCBD}" destId="{F5E04CE5-22EA-47D6-BFF1-F92225CBAFB2}" srcOrd="0" destOrd="0" presId="urn:microsoft.com/office/officeart/2005/8/layout/process5"/>
     <dgm:cxn modelId="{1A04B4AA-4493-4B1B-8F45-437BA6C368D1}" type="presOf" srcId="{AEB46061-1E26-4E62-A5D7-EC49CB629BB4}" destId="{CE6D5E99-D055-43C9-A6A8-34E1F32D3BF1}" srcOrd="0" destOrd="0" presId="urn:microsoft.com/office/officeart/2005/8/layout/process5"/>
     <dgm:cxn modelId="{8E9FCBA5-76C2-4479-A5C5-402F92238D32}" srcId="{AFEBBE14-6030-44F4-9AAC-04347B19DDFF}" destId="{FC6F67A1-9D22-4A0C-A21A-3F6F3DB4DDEA}" srcOrd="0" destOrd="0" parTransId="{F317C7A5-E17D-4E6C-A50F-738E3B123622}" sibTransId="{A050A5E8-84AF-424D-A06B-1FE0C0C3F8E6}"/>
-    <dgm:cxn modelId="{17BC78D4-C08A-4F53-98B0-14385D1FAF44}" srcId="{AFEBBE14-6030-44F4-9AAC-04347B19DDFF}" destId="{E360E783-39DC-4836-932C-E0891C91F88D}" srcOrd="3" destOrd="0" parTransId="{ECE9A850-FC78-4D4B-A61C-D1AF94D8019C}" sibTransId="{2456DC71-CE33-4E92-A356-B453D6EAFEA4}"/>
+    <dgm:cxn modelId="{17BC78D4-C08A-4F53-98B0-14385D1FAF44}" srcId="{AFEBBE14-6030-44F4-9AAC-04347B19DDFF}" destId="{E360E783-39DC-4836-932C-E0891C91F88D}" srcOrd="2" destOrd="0" parTransId="{ECE9A850-FC78-4D4B-A61C-D1AF94D8019C}" sibTransId="{2456DC71-CE33-4E92-A356-B453D6EAFEA4}"/>
     <dgm:cxn modelId="{81C50C9B-8140-4DE4-AC69-2572C19780A5}" type="presOf" srcId="{836014EB-E3FA-46E5-BF15-2D855296BA9D}" destId="{98C40EB6-CCF7-40A0-83C9-9E1BE1767E47}" srcOrd="1" destOrd="0" presId="urn:microsoft.com/office/officeart/2005/8/layout/process5"/>
-    <dgm:cxn modelId="{2769811C-4503-4C44-B34B-0043D767B988}" srcId="{AFEBBE14-6030-44F4-9AAC-04347B19DDFF}" destId="{A2724FA8-1E6E-4190-84AC-EE75DAE9973A}" srcOrd="11" destOrd="0" parTransId="{6B4348F9-7611-41EE-ACEE-A9238CC2FE39}" sibTransId="{59CC0BC7-B46D-412C-A06B-BEAEA84427AF}"/>
-    <dgm:cxn modelId="{7E7857B5-0D2F-4D08-B9D6-EE6AB341C55E}" srcId="{F798C20D-4CCD-43B7-87D3-E39734D288BD}" destId="{6D733DB5-F33D-4440-B5E3-D7FEF30D1D36}" srcOrd="0" destOrd="0" parTransId="{9114C391-64A9-41B1-8F5B-3AA01A426EA7}" sibTransId="{76E5B38D-8D83-468D-BEEE-95AFF04F4CF4}"/>
+    <dgm:cxn modelId="{2769811C-4503-4C44-B34B-0043D767B988}" srcId="{AFEBBE14-6030-44F4-9AAC-04347B19DDFF}" destId="{A2724FA8-1E6E-4190-84AC-EE75DAE9973A}" srcOrd="10" destOrd="0" parTransId="{6B4348F9-7611-41EE-ACEE-A9238CC2FE39}" sibTransId="{59CC0BC7-B46D-412C-A06B-BEAEA84427AF}"/>
     <dgm:cxn modelId="{4AAE9678-7B67-416F-9296-7F313501E5EE}" srcId="{462626DB-9507-4007-BF55-1EEACF503FA6}" destId="{71C8DEB9-7AE8-48FA-8E20-D27A389D8E58}" srcOrd="0" destOrd="0" parTransId="{D417A6B9-6B52-48CF-937A-F27C6ACC80EC}" sibTransId="{A35E8143-CD9E-4DAD-BA80-2EDD36FA3599}"/>
     <dgm:cxn modelId="{83A48C32-C14B-4E5C-BD3B-E070A2660DBB}" type="presOf" srcId="{1AF08F38-1E11-4A16-9C61-D4CEF1AB8434}" destId="{4960372A-6C31-4392-9EBA-62421916A225}" srcOrd="0" destOrd="0" presId="urn:microsoft.com/office/officeart/2005/8/layout/process5"/>
     <dgm:cxn modelId="{CA3121D9-8072-40A3-B949-3E7E97FC6C82}" type="presParOf" srcId="{4CCADBF1-7DFB-40A0-8C90-BE1B9D0765A9}" destId="{6AAA2B01-314A-4983-8E21-CC89E2BE7209}" srcOrd="0" destOrd="0" presId="urn:microsoft.com/office/officeart/2005/8/layout/process5"/>
@@ -2014,34 +2071,31 @@
     <dgm:cxn modelId="{1B526DD6-464B-41B3-9C07-8046B7F51D86}" type="presParOf" srcId="{4CCADBF1-7DFB-40A0-8C90-BE1B9D0765A9}" destId="{CC97E519-4A0D-473B-8AB4-2EF2393C7632}" srcOrd="2" destOrd="0" presId="urn:microsoft.com/office/officeart/2005/8/layout/process5"/>
     <dgm:cxn modelId="{2B205CF3-1110-4A8F-AAC2-B96B766D170B}" type="presParOf" srcId="{4CCADBF1-7DFB-40A0-8C90-BE1B9D0765A9}" destId="{A9B26DF7-5BC0-4053-8473-4A85C5D6BF5E}" srcOrd="3" destOrd="0" presId="urn:microsoft.com/office/officeart/2005/8/layout/process5"/>
     <dgm:cxn modelId="{91367206-5565-416B-AED7-06ACFABBAFDF}" type="presParOf" srcId="{A9B26DF7-5BC0-4053-8473-4A85C5D6BF5E}" destId="{098058DB-9004-4212-811F-971F7CAE6DEE}" srcOrd="0" destOrd="0" presId="urn:microsoft.com/office/officeart/2005/8/layout/process5"/>
-    <dgm:cxn modelId="{41C85AE2-236D-4F53-9BF6-61A74D011098}" type="presParOf" srcId="{4CCADBF1-7DFB-40A0-8C90-BE1B9D0765A9}" destId="{05A94653-5C96-4954-9916-4869620DF114}" srcOrd="4" destOrd="0" presId="urn:microsoft.com/office/officeart/2005/8/layout/process5"/>
-    <dgm:cxn modelId="{BFCCC0F5-0327-4DF0-938D-557458814B73}" type="presParOf" srcId="{4CCADBF1-7DFB-40A0-8C90-BE1B9D0765A9}" destId="{D558EFD0-0C80-4F20-B591-643D824A8E95}" srcOrd="5" destOrd="0" presId="urn:microsoft.com/office/officeart/2005/8/layout/process5"/>
-    <dgm:cxn modelId="{FEBBB50F-7692-413B-A6E1-6DBF7A4D9B86}" type="presParOf" srcId="{D558EFD0-0C80-4F20-B591-643D824A8E95}" destId="{30F4EBC4-197C-4906-A104-A46F4AC26E1A}" srcOrd="0" destOrd="0" presId="urn:microsoft.com/office/officeart/2005/8/layout/process5"/>
-    <dgm:cxn modelId="{CDAB55BA-1864-42FD-9117-EFEE91819450}" type="presParOf" srcId="{4CCADBF1-7DFB-40A0-8C90-BE1B9D0765A9}" destId="{617C2893-4805-460C-AB6E-1055AD35C9E6}" srcOrd="6" destOrd="0" presId="urn:microsoft.com/office/officeart/2005/8/layout/process5"/>
-    <dgm:cxn modelId="{CFB8E2E0-4AA1-4695-B735-FC93162062F2}" type="presParOf" srcId="{4CCADBF1-7DFB-40A0-8C90-BE1B9D0765A9}" destId="{2A238D4E-812E-4276-BC79-3982AE75940B}" srcOrd="7" destOrd="0" presId="urn:microsoft.com/office/officeart/2005/8/layout/process5"/>
+    <dgm:cxn modelId="{CDAB55BA-1864-42FD-9117-EFEE91819450}" type="presParOf" srcId="{4CCADBF1-7DFB-40A0-8C90-BE1B9D0765A9}" destId="{617C2893-4805-460C-AB6E-1055AD35C9E6}" srcOrd="4" destOrd="0" presId="urn:microsoft.com/office/officeart/2005/8/layout/process5"/>
+    <dgm:cxn modelId="{CFB8E2E0-4AA1-4695-B735-FC93162062F2}" type="presParOf" srcId="{4CCADBF1-7DFB-40A0-8C90-BE1B9D0765A9}" destId="{2A238D4E-812E-4276-BC79-3982AE75940B}" srcOrd="5" destOrd="0" presId="urn:microsoft.com/office/officeart/2005/8/layout/process5"/>
     <dgm:cxn modelId="{09F7E654-C759-42D4-A665-1805D23E918F}" type="presParOf" srcId="{2A238D4E-812E-4276-BC79-3982AE75940B}" destId="{447E9B2F-E3D0-498C-A034-F17D78FBD133}" srcOrd="0" destOrd="0" presId="urn:microsoft.com/office/officeart/2005/8/layout/process5"/>
-    <dgm:cxn modelId="{28EFF7B0-67DF-4309-AE1C-B2DD7ACBB765}" type="presParOf" srcId="{4CCADBF1-7DFB-40A0-8C90-BE1B9D0765A9}" destId="{4960372A-6C31-4392-9EBA-62421916A225}" srcOrd="8" destOrd="0" presId="urn:microsoft.com/office/officeart/2005/8/layout/process5"/>
-    <dgm:cxn modelId="{416D8795-21FF-495C-9551-956A4D8FAF24}" type="presParOf" srcId="{4CCADBF1-7DFB-40A0-8C90-BE1B9D0765A9}" destId="{E4CBA98E-F68B-4094-81A3-1FF8B498EF6E}" srcOrd="9" destOrd="0" presId="urn:microsoft.com/office/officeart/2005/8/layout/process5"/>
+    <dgm:cxn modelId="{28EFF7B0-67DF-4309-AE1C-B2DD7ACBB765}" type="presParOf" srcId="{4CCADBF1-7DFB-40A0-8C90-BE1B9D0765A9}" destId="{4960372A-6C31-4392-9EBA-62421916A225}" srcOrd="6" destOrd="0" presId="urn:microsoft.com/office/officeart/2005/8/layout/process5"/>
+    <dgm:cxn modelId="{416D8795-21FF-495C-9551-956A4D8FAF24}" type="presParOf" srcId="{4CCADBF1-7DFB-40A0-8C90-BE1B9D0765A9}" destId="{E4CBA98E-F68B-4094-81A3-1FF8B498EF6E}" srcOrd="7" destOrd="0" presId="urn:microsoft.com/office/officeart/2005/8/layout/process5"/>
     <dgm:cxn modelId="{BE77E0BB-212B-48AD-93C3-76E3AFD2257E}" type="presParOf" srcId="{E4CBA98E-F68B-4094-81A3-1FF8B498EF6E}" destId="{B0B0754D-9D27-4867-8E8D-888EECF66D2E}" srcOrd="0" destOrd="0" presId="urn:microsoft.com/office/officeart/2005/8/layout/process5"/>
-    <dgm:cxn modelId="{D782B842-2555-446E-BB60-D48BE34C422B}" type="presParOf" srcId="{4CCADBF1-7DFB-40A0-8C90-BE1B9D0765A9}" destId="{542E92CC-0AC0-4662-B1BF-4F9D08482302}" srcOrd="10" destOrd="0" presId="urn:microsoft.com/office/officeart/2005/8/layout/process5"/>
-    <dgm:cxn modelId="{92529591-B67E-4CF9-B793-20CBA6AA84AC}" type="presParOf" srcId="{4CCADBF1-7DFB-40A0-8C90-BE1B9D0765A9}" destId="{42AA5858-B301-4F0B-92EF-141AFBC51465}" srcOrd="11" destOrd="0" presId="urn:microsoft.com/office/officeart/2005/8/layout/process5"/>
+    <dgm:cxn modelId="{D782B842-2555-446E-BB60-D48BE34C422B}" type="presParOf" srcId="{4CCADBF1-7DFB-40A0-8C90-BE1B9D0765A9}" destId="{542E92CC-0AC0-4662-B1BF-4F9D08482302}" srcOrd="8" destOrd="0" presId="urn:microsoft.com/office/officeart/2005/8/layout/process5"/>
+    <dgm:cxn modelId="{92529591-B67E-4CF9-B793-20CBA6AA84AC}" type="presParOf" srcId="{4CCADBF1-7DFB-40A0-8C90-BE1B9D0765A9}" destId="{42AA5858-B301-4F0B-92EF-141AFBC51465}" srcOrd="9" destOrd="0" presId="urn:microsoft.com/office/officeart/2005/8/layout/process5"/>
     <dgm:cxn modelId="{1A2B19E8-572C-435C-B288-A21F9F8E460D}" type="presParOf" srcId="{42AA5858-B301-4F0B-92EF-141AFBC51465}" destId="{A88A93FE-4E96-4DFB-BEE4-496EFB500097}" srcOrd="0" destOrd="0" presId="urn:microsoft.com/office/officeart/2005/8/layout/process5"/>
-    <dgm:cxn modelId="{91565EEE-B82E-4436-8B2E-C4C881DDA5BD}" type="presParOf" srcId="{4CCADBF1-7DFB-40A0-8C90-BE1B9D0765A9}" destId="{F5E04CE5-22EA-47D6-BFF1-F92225CBAFB2}" srcOrd="12" destOrd="0" presId="urn:microsoft.com/office/officeart/2005/8/layout/process5"/>
-    <dgm:cxn modelId="{DC65B1A9-D1B8-4D34-A60C-3C9359D5BE5C}" type="presParOf" srcId="{4CCADBF1-7DFB-40A0-8C90-BE1B9D0765A9}" destId="{CE6D5E99-D055-43C9-A6A8-34E1F32D3BF1}" srcOrd="13" destOrd="0" presId="urn:microsoft.com/office/officeart/2005/8/layout/process5"/>
+    <dgm:cxn modelId="{91565EEE-B82E-4436-8B2E-C4C881DDA5BD}" type="presParOf" srcId="{4CCADBF1-7DFB-40A0-8C90-BE1B9D0765A9}" destId="{F5E04CE5-22EA-47D6-BFF1-F92225CBAFB2}" srcOrd="10" destOrd="0" presId="urn:microsoft.com/office/officeart/2005/8/layout/process5"/>
+    <dgm:cxn modelId="{DC65B1A9-D1B8-4D34-A60C-3C9359D5BE5C}" type="presParOf" srcId="{4CCADBF1-7DFB-40A0-8C90-BE1B9D0765A9}" destId="{CE6D5E99-D055-43C9-A6A8-34E1F32D3BF1}" srcOrd="11" destOrd="0" presId="urn:microsoft.com/office/officeart/2005/8/layout/process5"/>
     <dgm:cxn modelId="{9E0B55B0-E976-4913-B05A-B372B1796D9F}" type="presParOf" srcId="{CE6D5E99-D055-43C9-A6A8-34E1F32D3BF1}" destId="{18237054-D0C7-4F9E-BC99-AD64AF5F425B}" srcOrd="0" destOrd="0" presId="urn:microsoft.com/office/officeart/2005/8/layout/process5"/>
-    <dgm:cxn modelId="{E5CFCD00-65E1-4C7A-AD1F-3EDB36E080BE}" type="presParOf" srcId="{4CCADBF1-7DFB-40A0-8C90-BE1B9D0765A9}" destId="{679947BB-EE38-46B0-97EE-3E04560C824E}" srcOrd="14" destOrd="0" presId="urn:microsoft.com/office/officeart/2005/8/layout/process5"/>
-    <dgm:cxn modelId="{CBA224E4-D4F7-4EEB-9C9C-9054E6DB8ED5}" type="presParOf" srcId="{4CCADBF1-7DFB-40A0-8C90-BE1B9D0765A9}" destId="{A5F13CC2-9826-4699-A331-75172EE98A65}" srcOrd="15" destOrd="0" presId="urn:microsoft.com/office/officeart/2005/8/layout/process5"/>
+    <dgm:cxn modelId="{E5CFCD00-65E1-4C7A-AD1F-3EDB36E080BE}" type="presParOf" srcId="{4CCADBF1-7DFB-40A0-8C90-BE1B9D0765A9}" destId="{679947BB-EE38-46B0-97EE-3E04560C824E}" srcOrd="12" destOrd="0" presId="urn:microsoft.com/office/officeart/2005/8/layout/process5"/>
+    <dgm:cxn modelId="{CBA224E4-D4F7-4EEB-9C9C-9054E6DB8ED5}" type="presParOf" srcId="{4CCADBF1-7DFB-40A0-8C90-BE1B9D0765A9}" destId="{A5F13CC2-9826-4699-A331-75172EE98A65}" srcOrd="13" destOrd="0" presId="urn:microsoft.com/office/officeart/2005/8/layout/process5"/>
     <dgm:cxn modelId="{A2650D0B-F9A4-418D-A296-FFBE23D7C197}" type="presParOf" srcId="{A5F13CC2-9826-4699-A331-75172EE98A65}" destId="{98C40EB6-CCF7-40A0-83C9-9E1BE1767E47}" srcOrd="0" destOrd="0" presId="urn:microsoft.com/office/officeart/2005/8/layout/process5"/>
-    <dgm:cxn modelId="{6ACB5794-AF05-4013-96A1-B16C58CB1B0A}" type="presParOf" srcId="{4CCADBF1-7DFB-40A0-8C90-BE1B9D0765A9}" destId="{DFA4FB02-9392-4434-85B7-68CB77108728}" srcOrd="16" destOrd="0" presId="urn:microsoft.com/office/officeart/2005/8/layout/process5"/>
-    <dgm:cxn modelId="{3C00AF86-BEC1-4407-A455-7DECB63F22DF}" type="presParOf" srcId="{4CCADBF1-7DFB-40A0-8C90-BE1B9D0765A9}" destId="{B99AE0C0-AF34-491D-8022-EE0D2E1319C2}" srcOrd="17" destOrd="0" presId="urn:microsoft.com/office/officeart/2005/8/layout/process5"/>
+    <dgm:cxn modelId="{6ACB5794-AF05-4013-96A1-B16C58CB1B0A}" type="presParOf" srcId="{4CCADBF1-7DFB-40A0-8C90-BE1B9D0765A9}" destId="{DFA4FB02-9392-4434-85B7-68CB77108728}" srcOrd="14" destOrd="0" presId="urn:microsoft.com/office/officeart/2005/8/layout/process5"/>
+    <dgm:cxn modelId="{3C00AF86-BEC1-4407-A455-7DECB63F22DF}" type="presParOf" srcId="{4CCADBF1-7DFB-40A0-8C90-BE1B9D0765A9}" destId="{B99AE0C0-AF34-491D-8022-EE0D2E1319C2}" srcOrd="15" destOrd="0" presId="urn:microsoft.com/office/officeart/2005/8/layout/process5"/>
     <dgm:cxn modelId="{62C599AF-E433-42C4-96CA-776C76D2DBDC}" type="presParOf" srcId="{B99AE0C0-AF34-491D-8022-EE0D2E1319C2}" destId="{BE62ADCF-6564-4231-A5D4-2BA039032D45}" srcOrd="0" destOrd="0" presId="urn:microsoft.com/office/officeart/2005/8/layout/process5"/>
-    <dgm:cxn modelId="{6508B3AD-7D4E-438B-A3A6-E21CF5B78B08}" type="presParOf" srcId="{4CCADBF1-7DFB-40A0-8C90-BE1B9D0765A9}" destId="{9ACF0091-C5F6-4DD4-924F-8C30B9DB953E}" srcOrd="18" destOrd="0" presId="urn:microsoft.com/office/officeart/2005/8/layout/process5"/>
-    <dgm:cxn modelId="{4B63A431-737B-4DA1-8B8B-6902F03A4C7B}" type="presParOf" srcId="{4CCADBF1-7DFB-40A0-8C90-BE1B9D0765A9}" destId="{84BE0FBC-212E-480F-89BB-D6C55A2759E6}" srcOrd="19" destOrd="0" presId="urn:microsoft.com/office/officeart/2005/8/layout/process5"/>
+    <dgm:cxn modelId="{6508B3AD-7D4E-438B-A3A6-E21CF5B78B08}" type="presParOf" srcId="{4CCADBF1-7DFB-40A0-8C90-BE1B9D0765A9}" destId="{9ACF0091-C5F6-4DD4-924F-8C30B9DB953E}" srcOrd="16" destOrd="0" presId="urn:microsoft.com/office/officeart/2005/8/layout/process5"/>
+    <dgm:cxn modelId="{4B63A431-737B-4DA1-8B8B-6902F03A4C7B}" type="presParOf" srcId="{4CCADBF1-7DFB-40A0-8C90-BE1B9D0765A9}" destId="{84BE0FBC-212E-480F-89BB-D6C55A2759E6}" srcOrd="17" destOrd="0" presId="urn:microsoft.com/office/officeart/2005/8/layout/process5"/>
     <dgm:cxn modelId="{90D4257E-BA56-4CEC-A3C6-DF549A565696}" type="presParOf" srcId="{84BE0FBC-212E-480F-89BB-D6C55A2759E6}" destId="{51F00FB0-8B36-4C94-9A8F-76469A2BBED6}" srcOrd="0" destOrd="0" presId="urn:microsoft.com/office/officeart/2005/8/layout/process5"/>
-    <dgm:cxn modelId="{179AEAE9-1110-476E-99DE-DBCDD51391F2}" type="presParOf" srcId="{4CCADBF1-7DFB-40A0-8C90-BE1B9D0765A9}" destId="{7C5CE214-09D8-4B61-8648-A278FFB4DE5C}" srcOrd="20" destOrd="0" presId="urn:microsoft.com/office/officeart/2005/8/layout/process5"/>
-    <dgm:cxn modelId="{3F40B80D-7127-47E4-A1E2-04AF0CC5E248}" type="presParOf" srcId="{4CCADBF1-7DFB-40A0-8C90-BE1B9D0765A9}" destId="{BE8760CC-794C-4F2C-9584-E83A5185D76A}" srcOrd="21" destOrd="0" presId="urn:microsoft.com/office/officeart/2005/8/layout/process5"/>
+    <dgm:cxn modelId="{179AEAE9-1110-476E-99DE-DBCDD51391F2}" type="presParOf" srcId="{4CCADBF1-7DFB-40A0-8C90-BE1B9D0765A9}" destId="{7C5CE214-09D8-4B61-8648-A278FFB4DE5C}" srcOrd="18" destOrd="0" presId="urn:microsoft.com/office/officeart/2005/8/layout/process5"/>
+    <dgm:cxn modelId="{3F40B80D-7127-47E4-A1E2-04AF0CC5E248}" type="presParOf" srcId="{4CCADBF1-7DFB-40A0-8C90-BE1B9D0765A9}" destId="{BE8760CC-794C-4F2C-9584-E83A5185D76A}" srcOrd="19" destOrd="0" presId="urn:microsoft.com/office/officeart/2005/8/layout/process5"/>
     <dgm:cxn modelId="{9911F0A3-9BB7-4DC7-AF00-5A65DE9C2AAE}" type="presParOf" srcId="{BE8760CC-794C-4F2C-9584-E83A5185D76A}" destId="{10A317F9-13C5-4602-B564-53B936854D3B}" srcOrd="0" destOrd="0" presId="urn:microsoft.com/office/officeart/2005/8/layout/process5"/>
-    <dgm:cxn modelId="{68C0D0EE-4696-4CF7-BE9B-139F57F90757}" type="presParOf" srcId="{4CCADBF1-7DFB-40A0-8C90-BE1B9D0765A9}" destId="{94D28A2F-DD66-4455-9C6A-FAF35AC598FE}" srcOrd="22" destOrd="0" presId="urn:microsoft.com/office/officeart/2005/8/layout/process5"/>
+    <dgm:cxn modelId="{68C0D0EE-4696-4CF7-BE9B-139F57F90757}" type="presParOf" srcId="{4CCADBF1-7DFB-40A0-8C90-BE1B9D0765A9}" destId="{94D28A2F-DD66-4455-9C6A-FAF35AC598FE}" srcOrd="20" destOrd="0" presId="urn:microsoft.com/office/officeart/2005/8/layout/process5"/>
   </dgm:cxnLst>
   <dgm:bg/>
   <dgm:whole/>
@@ -2108,12 +2162,12 @@
         </a:fontRef>
       </dsp:style>
       <dsp:txBody>
-        <a:bodyPr spcFirstLastPara="0" vert="horz" wrap="square" lIns="45720" tIns="45720" rIns="45720" bIns="45720" numCol="1" spcCol="1270" anchor="ctr" anchorCtr="0">
+        <a:bodyPr spcFirstLastPara="0" vert="horz" wrap="square" lIns="41910" tIns="41910" rIns="41910" bIns="41910" numCol="1" spcCol="1270" anchor="ctr" anchorCtr="0">
           <a:noAutofit/>
         </a:bodyPr>
         <a:lstStyle/>
         <a:p>
-          <a:pPr lvl="0" algn="ctr" defTabSz="533400">
+          <a:pPr lvl="0" algn="ctr" defTabSz="466725">
             <a:lnSpc>
               <a:spcPct val="90000"/>
             </a:lnSpc>
@@ -2125,10 +2179,10 @@
             </a:spcAft>
           </a:pPr>
           <a:r>
-            <a:rPr lang="en-US" sz="1200" kern="1200" dirty="0" smtClean="0"/>
+            <a:rPr lang="en-US" sz="1050" kern="1200" dirty="0" smtClean="0"/>
             <a:t>Select species for discard calculation</a:t>
           </a:r>
-          <a:endParaRPr lang="en-US" sz="1200" kern="1200" dirty="0"/>
+          <a:endParaRPr lang="en-US" sz="1050" kern="1200" dirty="0"/>
         </a:p>
       </dsp:txBody>
       <dsp:txXfrm>
@@ -2183,7 +2237,7 @@
         </a:bodyPr>
         <a:lstStyle/>
         <a:p>
-          <a:pPr lvl="0" algn="ctr" defTabSz="444500">
+          <a:pPr lvl="0" algn="ctr" defTabSz="311150">
             <a:lnSpc>
               <a:spcPct val="90000"/>
             </a:lnSpc>
@@ -2194,7 +2248,7 @@
               <a:spcPct val="35000"/>
             </a:spcAft>
           </a:pPr>
-          <a:endParaRPr lang="en-US" sz="1000" kern="1200"/>
+          <a:endParaRPr lang="en-US" sz="700" kern="1200"/>
         </a:p>
       </dsp:txBody>
       <dsp:txXfrm>
@@ -2249,12 +2303,12 @@
         </a:fontRef>
       </dsp:style>
       <dsp:txBody>
-        <a:bodyPr spcFirstLastPara="0" vert="horz" wrap="square" lIns="45720" tIns="45720" rIns="45720" bIns="45720" numCol="1" spcCol="1270" anchor="ctr" anchorCtr="0">
+        <a:bodyPr spcFirstLastPara="0" vert="horz" wrap="square" lIns="30480" tIns="30480" rIns="30480" bIns="30480" numCol="1" spcCol="1270" anchor="ctr" anchorCtr="0">
           <a:noAutofit/>
         </a:bodyPr>
         <a:lstStyle/>
         <a:p>
-          <a:pPr lvl="0" algn="ctr" defTabSz="533400">
+          <a:pPr lvl="0" algn="l" defTabSz="355600">
             <a:lnSpc>
               <a:spcPct val="90000"/>
             </a:lnSpc>
@@ -2266,10 +2320,48 @@
             </a:spcAft>
           </a:pPr>
           <a:r>
-            <a:rPr lang="en-US" sz="1200" kern="1200" dirty="0" smtClean="0"/>
-            <a:t>Define strata variables</a:t>
+            <a:rPr lang="en-US" sz="800" kern="1200" dirty="0" smtClean="0"/>
+            <a:t>Define strata </a:t>
           </a:r>
-          <a:endParaRPr lang="en-US" sz="1200" kern="1200" dirty="0"/>
+          <a:r>
+            <a:rPr lang="en-US" sz="800" kern="1200" dirty="0" smtClean="0"/>
+            <a:t>variables: </a:t>
+          </a:r>
+        </a:p>
+        <a:p>
+          <a:pPr lvl="0" algn="l" defTabSz="355600">
+            <a:lnSpc>
+              <a:spcPct val="90000"/>
+            </a:lnSpc>
+            <a:spcBef>
+              <a:spcPct val="0"/>
+            </a:spcBef>
+            <a:spcAft>
+              <a:spcPct val="35000"/>
+            </a:spcAft>
+          </a:pPr>
+          <a:r>
+            <a:rPr lang="en-US" sz="800" kern="1200" dirty="0" smtClean="0"/>
+            <a:t>1) GEAR </a:t>
+          </a:r>
+        </a:p>
+        <a:p>
+          <a:pPr lvl="0" algn="l" defTabSz="355600">
+            <a:lnSpc>
+              <a:spcPct val="90000"/>
+            </a:lnSpc>
+            <a:spcBef>
+              <a:spcPct val="0"/>
+            </a:spcBef>
+            <a:spcAft>
+              <a:spcPct val="35000"/>
+            </a:spcAft>
+          </a:pPr>
+          <a:r>
+            <a:rPr lang="en-US" sz="800" kern="1200" dirty="0" smtClean="0"/>
+            <a:t>2) SECTOR/GEAR/MESH/AREA</a:t>
+          </a:r>
+          <a:endParaRPr lang="en-US" sz="800" kern="1200" dirty="0"/>
         </a:p>
       </dsp:txBody>
       <dsp:txXfrm>
@@ -2324,7 +2416,7 @@
         </a:bodyPr>
         <a:lstStyle/>
         <a:p>
-          <a:pPr lvl="0" algn="ctr" defTabSz="444500">
+          <a:pPr lvl="0" algn="ctr" defTabSz="311150">
             <a:lnSpc>
               <a:spcPct val="90000"/>
             </a:lnSpc>
@@ -2335,7 +2427,7 @@
               <a:spcPct val="35000"/>
             </a:spcAft>
           </a:pPr>
-          <a:endParaRPr lang="en-US" sz="1000" kern="1200"/>
+          <a:endParaRPr lang="en-US" sz="700" kern="1200"/>
         </a:p>
       </dsp:txBody>
       <dsp:txXfrm>
@@ -2343,7 +2435,7 @@
         <a:ext cx="262386" cy="276272"/>
       </dsp:txXfrm>
     </dsp:sp>
-    <dsp:sp modelId="{05A94653-5C96-4954-9916-4869620DF114}">
+    <dsp:sp modelId="{617C2893-4805-460C-AB6E-1055AD35C9E6}">
       <dsp:nvSpPr>
         <dsp:cNvPr id="0" name=""/>
         <dsp:cNvSpPr/>
@@ -2392,12 +2484,12 @@
         </a:fontRef>
       </dsp:style>
       <dsp:txBody>
-        <a:bodyPr spcFirstLastPara="0" vert="horz" wrap="square" lIns="45720" tIns="45720" rIns="45720" bIns="45720" numCol="1" spcCol="1270" anchor="t" anchorCtr="0">
+        <a:bodyPr spcFirstLastPara="0" vert="horz" wrap="square" lIns="30480" tIns="30480" rIns="30480" bIns="30480" numCol="1" spcCol="1270" anchor="ctr" anchorCtr="0">
           <a:noAutofit/>
         </a:bodyPr>
         <a:lstStyle/>
         <a:p>
-          <a:pPr lvl="0" algn="l" defTabSz="533400">
+          <a:pPr lvl="0" algn="l" defTabSz="355600">
             <a:lnSpc>
               <a:spcPct val="90000"/>
             </a:lnSpc>
@@ -2409,13 +2501,24 @@
             </a:spcAft>
           </a:pPr>
           <a:r>
-            <a:rPr lang="en-US" sz="1200" kern="1200" dirty="0" smtClean="0"/>
-            <a:t>Compile catch data</a:t>
+            <a:rPr lang="en-US" sz="800" kern="1200" dirty="0" smtClean="0"/>
+            <a:t>Compile </a:t>
           </a:r>
-          <a:endParaRPr lang="en-US" sz="1200" kern="1200" dirty="0"/>
-        </a:p>
-        <a:p>
-          <a:pPr marL="57150" lvl="1" indent="-57150" algn="l" defTabSz="400050">
+          <a:r>
+            <a:rPr lang="en-US" sz="800" kern="1200" dirty="0" err="1" smtClean="0"/>
+            <a:t>obs</a:t>
+          </a:r>
+          <a:r>
+            <a:rPr lang="en-US" sz="800" kern="1200" dirty="0" smtClean="0"/>
+            <a:t> </a:t>
+          </a:r>
+          <a:r>
+            <a:rPr lang="en-US" sz="800" kern="1200" dirty="0" smtClean="0"/>
+            <a:t>data: get d/k for </a:t>
+          </a:r>
+        </a:p>
+        <a:p>
+          <a:pPr lvl="0" algn="l" defTabSz="355600">
             <a:lnSpc>
               <a:spcPct val="90000"/>
             </a:lnSpc>
@@ -2423,23 +2526,44 @@
               <a:spcPct val="0"/>
             </a:spcBef>
             <a:spcAft>
-              <a:spcPct val="15000"/>
+              <a:spcPct val="35000"/>
             </a:spcAft>
-            <a:buChar char="••"/>
           </a:pPr>
           <a:r>
-            <a:rPr lang="en-US" sz="900" kern="1200" dirty="0" smtClean="0"/>
-            <a:t>Define at trip/</a:t>
+            <a:rPr lang="en-US" sz="800" kern="1200" dirty="0" smtClean="0"/>
+            <a:t>1) broad gear based strata and </a:t>
           </a:r>
+        </a:p>
+        <a:p>
+          <a:pPr lvl="0" algn="l" defTabSz="355600">
+            <a:lnSpc>
+              <a:spcPct val="90000"/>
+            </a:lnSpc>
+            <a:spcBef>
+              <a:spcPct val="0"/>
+            </a:spcBef>
+            <a:spcAft>
+              <a:spcPct val="35000"/>
+            </a:spcAft>
+          </a:pPr>
           <a:r>
-            <a:rPr lang="en-US" sz="900" kern="1200" dirty="0" err="1" smtClean="0"/>
-            <a:t>subtrip</a:t>
+            <a:rPr lang="en-US" sz="800" kern="1200" dirty="0" smtClean="0"/>
+            <a:t>2) SEC/GEAR/MESH/AREA </a:t>
           </a:r>
-          <a:r>
-            <a:rPr lang="en-US" sz="900" kern="1200" dirty="0" smtClean="0"/>
-            <a:t> level</a:t>
-          </a:r>
-          <a:endParaRPr lang="en-US" sz="900" kern="1200" dirty="0"/>
+        </a:p>
+        <a:p>
+          <a:pPr lvl="0" algn="ctr" defTabSz="355600">
+            <a:lnSpc>
+              <a:spcPct val="90000"/>
+            </a:lnSpc>
+            <a:spcBef>
+              <a:spcPct val="0"/>
+            </a:spcBef>
+            <a:spcAft>
+              <a:spcPct val="35000"/>
+            </a:spcAft>
+          </a:pPr>
+          <a:endParaRPr lang="en-US" sz="800" kern="1200" dirty="0"/>
         </a:p>
       </dsp:txBody>
       <dsp:txXfrm>
@@ -2447,7 +2571,7 @@
         <a:ext cx="1791408" cy="1048742"/>
       </dsp:txXfrm>
     </dsp:sp>
-    <dsp:sp modelId="{D558EFD0-0C80-4F20-B591-643D824A8E95}">
+    <dsp:sp modelId="{2A238D4E-812E-4276-BC79-3982AE75940B}">
       <dsp:nvSpPr>
         <dsp:cNvPr id="0" name=""/>
         <dsp:cNvSpPr/>
@@ -2494,7 +2618,7 @@
         </a:bodyPr>
         <a:lstStyle/>
         <a:p>
-          <a:pPr lvl="0" algn="ctr" defTabSz="444500">
+          <a:pPr lvl="0" algn="ctr" defTabSz="311150">
             <a:lnSpc>
               <a:spcPct val="90000"/>
             </a:lnSpc>
@@ -2505,7 +2629,7 @@
               <a:spcPct val="35000"/>
             </a:spcAft>
           </a:pPr>
-          <a:endParaRPr lang="en-US" sz="1000" kern="1200"/>
+          <a:endParaRPr lang="en-US" sz="700" kern="1200"/>
         </a:p>
       </dsp:txBody>
       <dsp:txXfrm rot="-5400000">
@@ -2513,7 +2637,7 @@
         <a:ext cx="276272" cy="275528"/>
       </dsp:txXfrm>
     </dsp:sp>
-    <dsp:sp modelId="{617C2893-4805-460C-AB6E-1055AD35C9E6}">
+    <dsp:sp modelId="{4960372A-6C31-4392-9EBA-62421916A225}">
       <dsp:nvSpPr>
         <dsp:cNvPr id="0" name=""/>
         <dsp:cNvSpPr/>
@@ -2562,12 +2686,12 @@
         </a:fontRef>
       </dsp:style>
       <dsp:txBody>
-        <a:bodyPr spcFirstLastPara="0" vert="horz" wrap="square" lIns="45720" tIns="45720" rIns="45720" bIns="45720" numCol="1" spcCol="1270" anchor="t" anchorCtr="0">
+        <a:bodyPr spcFirstLastPara="0" vert="horz" wrap="square" lIns="30480" tIns="30480" rIns="30480" bIns="30480" numCol="1" spcCol="1270" anchor="t" anchorCtr="0">
           <a:noAutofit/>
         </a:bodyPr>
         <a:lstStyle/>
         <a:p>
-          <a:pPr lvl="0" algn="l" defTabSz="533400">
+          <a:pPr lvl="0" algn="l" defTabSz="355600">
             <a:lnSpc>
               <a:spcPct val="90000"/>
             </a:lnSpc>
@@ -2579,21 +2703,25 @@
             </a:spcAft>
           </a:pPr>
           <a:r>
-            <a:rPr lang="en-US" sz="1200" kern="1200" dirty="0" smtClean="0"/>
-            <a:t>Compile </a:t>
+            <a:rPr lang="en-US" sz="800" kern="1200" dirty="0" smtClean="0"/>
+            <a:t>Apply stratification </a:t>
           </a:r>
           <a:r>
-            <a:rPr lang="en-US" sz="1200" kern="1200" dirty="0" err="1" smtClean="0"/>
-            <a:t>obs</a:t>
+            <a:rPr lang="en-US" sz="800" kern="1200" dirty="0" smtClean="0"/>
+            <a:t>definition to Catch at </a:t>
           </a:r>
           <a:r>
-            <a:rPr lang="en-US" sz="1200" kern="1200" dirty="0" smtClean="0"/>
-            <a:t> data</a:t>
+            <a:rPr lang="en-US" sz="800" kern="1200" dirty="0" err="1" smtClean="0"/>
+            <a:t>subtrip</a:t>
           </a:r>
-          <a:endParaRPr lang="en-US" sz="1200" kern="1200" dirty="0"/>
-        </a:p>
-        <a:p>
-          <a:pPr marL="57150" lvl="1" indent="-57150" algn="l" defTabSz="400050">
+          <a:r>
+            <a:rPr lang="en-US" sz="800" kern="1200" dirty="0" smtClean="0"/>
+            <a:t> level</a:t>
+          </a:r>
+          <a:endParaRPr lang="en-US" sz="800" kern="1200" dirty="0"/>
+        </a:p>
+        <a:p>
+          <a:pPr marL="57150" lvl="1" indent="-57150" algn="l" defTabSz="266700">
             <a:lnSpc>
               <a:spcPct val="90000"/>
             </a:lnSpc>
@@ -2606,18 +2734,29 @@
             <a:buChar char="••"/>
           </a:pPr>
           <a:r>
-            <a:rPr lang="en-US" sz="900" kern="1200" dirty="0" smtClean="0"/>
-            <a:t>Define at trip/</a:t>
+            <a:rPr lang="en-US" sz="600" kern="1200" dirty="0" smtClean="0"/>
+            <a:t>OBS</a:t>
           </a:r>
+          <a:endParaRPr lang="en-US" sz="600" kern="1200" dirty="0"/>
+        </a:p>
+        <a:p>
+          <a:pPr marL="57150" lvl="1" indent="-57150" algn="l" defTabSz="266700">
+            <a:lnSpc>
+              <a:spcPct val="90000"/>
+            </a:lnSpc>
+            <a:spcBef>
+              <a:spcPct val="0"/>
+            </a:spcBef>
+            <a:spcAft>
+              <a:spcPct val="15000"/>
+            </a:spcAft>
+            <a:buChar char="••"/>
+          </a:pPr>
           <a:r>
-            <a:rPr lang="en-US" sz="900" kern="1200" dirty="0" err="1" smtClean="0"/>
-            <a:t>subtrip</a:t>
+            <a:rPr lang="en-US" sz="600" kern="1200" dirty="0" smtClean="0"/>
+            <a:t>CATCH: if no OBS strata available, apply broad strata</a:t>
           </a:r>
-          <a:r>
-            <a:rPr lang="en-US" sz="900" kern="1200" dirty="0" smtClean="0"/>
-            <a:t> level</a:t>
-          </a:r>
-          <a:endParaRPr lang="en-US" sz="900" kern="1200" dirty="0"/>
+          <a:endParaRPr lang="en-US" sz="600" kern="1200" dirty="0"/>
         </a:p>
       </dsp:txBody>
       <dsp:txXfrm>
@@ -2625,7 +2764,7 @@
         <a:ext cx="1791408" cy="1048742"/>
       </dsp:txXfrm>
     </dsp:sp>
-    <dsp:sp modelId="{2A238D4E-812E-4276-BC79-3982AE75940B}">
+    <dsp:sp modelId="{E4CBA98E-F68B-4094-81A3-1FF8B498EF6E}">
       <dsp:nvSpPr>
         <dsp:cNvPr id="0" name=""/>
         <dsp:cNvSpPr/>
@@ -2642,9 +2781,12 @@
           </a:avLst>
         </a:prstGeom>
         <a:solidFill>
-          <a:schemeClr val="accent2">
-            <a:lumMod val="60000"/>
-            <a:lumOff val="40000"/>
+          <a:schemeClr val="accent1">
+            <a:tint val="60000"/>
+            <a:hueOff val="0"/>
+            <a:satOff val="0"/>
+            <a:lumOff val="0"/>
+            <a:alphaOff val="0"/>
           </a:schemeClr>
         </a:solidFill>
         <a:ln>
@@ -2672,7 +2814,7 @@
         </a:bodyPr>
         <a:lstStyle/>
         <a:p>
-          <a:pPr lvl="0" algn="ctr" defTabSz="444500">
+          <a:pPr lvl="0" algn="ctr" defTabSz="311150">
             <a:lnSpc>
               <a:spcPct val="90000"/>
             </a:lnSpc>
@@ -2683,7 +2825,7 @@
               <a:spcPct val="35000"/>
             </a:spcAft>
           </a:pPr>
-          <a:endParaRPr lang="en-US" sz="1000" kern="1200"/>
+          <a:endParaRPr lang="en-US" sz="700" kern="1200"/>
         </a:p>
       </dsp:txBody>
       <dsp:txXfrm rot="10800000">
@@ -2691,7 +2833,7 @@
         <a:ext cx="275528" cy="276272"/>
       </dsp:txXfrm>
     </dsp:sp>
-    <dsp:sp modelId="{4960372A-6C31-4392-9EBA-62421916A225}">
+    <dsp:sp modelId="{542E92CC-0AC0-4662-B1BF-4F9D08482302}">
       <dsp:nvSpPr>
         <dsp:cNvPr id="0" name=""/>
         <dsp:cNvSpPr/>
@@ -2701,14 +2843,15 @@
           <a:off x="3518976" y="1858651"/>
           <a:ext cx="1856664" cy="1113998"/>
         </a:xfrm>
-        <a:prstGeom prst="roundRect">
-          <a:avLst>
-            <a:gd name="adj" fmla="val 10000"/>
-          </a:avLst>
+        <a:prstGeom prst="ellipse">
+          <a:avLst/>
         </a:prstGeom>
         <a:solidFill>
-          <a:schemeClr val="accent2">
-            <a:lumMod val="75000"/>
+          <a:schemeClr val="accent1">
+            <a:hueOff val="0"/>
+            <a:satOff val="0"/>
+            <a:lumOff val="0"/>
+            <a:alphaOff val="0"/>
           </a:schemeClr>
         </a:solidFill>
         <a:ln w="12700" cap="flat" cmpd="sng" algn="ctr">
@@ -2740,12 +2883,12 @@
         </a:fontRef>
       </dsp:style>
       <dsp:txBody>
-        <a:bodyPr spcFirstLastPara="0" vert="horz" wrap="square" lIns="45720" tIns="45720" rIns="45720" bIns="45720" numCol="1" spcCol="1270" anchor="t" anchorCtr="0">
+        <a:bodyPr spcFirstLastPara="0" vert="horz" wrap="square" lIns="30480" tIns="30480" rIns="30480" bIns="30480" numCol="1" spcCol="1270" anchor="t" anchorCtr="0">
           <a:noAutofit/>
         </a:bodyPr>
         <a:lstStyle/>
         <a:p>
-          <a:pPr lvl="0" algn="l" defTabSz="533400">
+          <a:pPr lvl="0" algn="l" defTabSz="355600">
             <a:lnSpc>
               <a:spcPct val="90000"/>
             </a:lnSpc>
@@ -2757,13 +2900,17 @@
             </a:spcAft>
           </a:pPr>
           <a:r>
-            <a:rPr lang="en-US" sz="1200" kern="1200" dirty="0" smtClean="0"/>
-            <a:t>Apply stratification </a:t>
+            <a:rPr lang="en-US" sz="800" kern="1200" dirty="0" smtClean="0"/>
+            <a:t>Import to </a:t>
           </a:r>
-          <a:endParaRPr lang="en-US" sz="1200" kern="1200" dirty="0"/>
-        </a:p>
-        <a:p>
-          <a:pPr marL="57150" lvl="1" indent="-57150" algn="l" defTabSz="400050">
+          <a:r>
+            <a:rPr lang="en-US" sz="800" kern="1200" smtClean="0"/>
+            <a:t>R </a:t>
+          </a:r>
+          <a:endParaRPr lang="en-US" sz="800" kern="1200" dirty="0"/>
+        </a:p>
+        <a:p>
+          <a:pPr marL="57150" lvl="1" indent="-57150" algn="l" defTabSz="266700">
             <a:lnSpc>
               <a:spcPct val="90000"/>
             </a:lnSpc>
@@ -2776,37 +2923,18 @@
             <a:buChar char="••"/>
           </a:pPr>
           <a:r>
-            <a:rPr lang="en-US" sz="900" kern="1200" dirty="0" smtClean="0"/>
-            <a:t>OBS</a:t>
+            <a:rPr lang="en-US" sz="600" kern="1200" smtClean="0"/>
+            <a:t>discaRd</a:t>
           </a:r>
-          <a:endParaRPr lang="en-US" sz="900" kern="1200" dirty="0"/>
-        </a:p>
-        <a:p>
-          <a:pPr marL="57150" lvl="1" indent="-57150" algn="l" defTabSz="400050">
-            <a:lnSpc>
-              <a:spcPct val="90000"/>
-            </a:lnSpc>
-            <a:spcBef>
-              <a:spcPct val="0"/>
-            </a:spcBef>
-            <a:spcAft>
-              <a:spcPct val="15000"/>
-            </a:spcAft>
-            <a:buChar char="••"/>
-          </a:pPr>
-          <a:r>
-            <a:rPr lang="en-US" sz="900" kern="1200" dirty="0" smtClean="0"/>
-            <a:t>CATCH: if no OBS strata available, apply broad strata</a:t>
-          </a:r>
-          <a:endParaRPr lang="en-US" sz="900" kern="1200" dirty="0"/>
+          <a:endParaRPr lang="en-US" sz="600" kern="1200"/>
         </a:p>
       </dsp:txBody>
       <dsp:txXfrm>
-        <a:off x="3551604" y="1891279"/>
-        <a:ext cx="1791408" cy="1048742"/>
+        <a:off x="3790878" y="2021792"/>
+        <a:ext cx="1312860" cy="787716"/>
       </dsp:txXfrm>
     </dsp:sp>
-    <dsp:sp modelId="{E4CBA98E-F68B-4094-81A3-1FF8B498EF6E}">
+    <dsp:sp modelId="{42AA5858-B301-4F0B-92EF-141AFBC51465}">
       <dsp:nvSpPr>
         <dsp:cNvPr id="0" name=""/>
         <dsp:cNvSpPr/>
@@ -2856,7 +2984,7 @@
         </a:bodyPr>
         <a:lstStyle/>
         <a:p>
-          <a:pPr lvl="0" algn="ctr" defTabSz="444500">
+          <a:pPr lvl="0" algn="ctr" defTabSz="311150">
             <a:lnSpc>
               <a:spcPct val="90000"/>
             </a:lnSpc>
@@ -2867,7 +2995,7 @@
               <a:spcPct val="35000"/>
             </a:spcAft>
           </a:pPr>
-          <a:endParaRPr lang="en-US" sz="1000" kern="1200"/>
+          <a:endParaRPr lang="en-US" sz="700" kern="1200"/>
         </a:p>
       </dsp:txBody>
       <dsp:txXfrm rot="10800000">
@@ -2875,7 +3003,7 @@
         <a:ext cx="275528" cy="276272"/>
       </dsp:txXfrm>
     </dsp:sp>
-    <dsp:sp modelId="{542E92CC-0AC0-4662-B1BF-4F9D08482302}">
+    <dsp:sp modelId="{F5E04CE5-22EA-47D6-BFF1-F92225CBAFB2}">
       <dsp:nvSpPr>
         <dsp:cNvPr id="0" name=""/>
         <dsp:cNvSpPr/>
@@ -2925,12 +3053,12 @@
         </a:fontRef>
       </dsp:style>
       <dsp:txBody>
-        <a:bodyPr spcFirstLastPara="0" vert="horz" wrap="square" lIns="45720" tIns="45720" rIns="45720" bIns="45720" numCol="1" spcCol="1270" anchor="t" anchorCtr="0">
+        <a:bodyPr spcFirstLastPara="0" vert="horz" wrap="square" lIns="30480" tIns="30480" rIns="30480" bIns="30480" numCol="1" spcCol="1270" anchor="ctr" anchorCtr="0">
           <a:noAutofit/>
         </a:bodyPr>
         <a:lstStyle/>
         <a:p>
-          <a:pPr lvl="0" algn="l" defTabSz="533400">
+          <a:pPr lvl="0" algn="ctr" defTabSz="355600">
             <a:lnSpc>
               <a:spcPct val="90000"/>
             </a:lnSpc>
@@ -2942,33 +3070,10 @@
             </a:spcAft>
           </a:pPr>
           <a:r>
-            <a:rPr lang="en-US" sz="1200" kern="1200" dirty="0" smtClean="0"/>
-            <a:t>Import to </a:t>
+            <a:rPr lang="en-US" sz="800" kern="1200" dirty="0" smtClean="0"/>
+            <a:t>First run with broad, gear based strata</a:t>
           </a:r>
-          <a:r>
-            <a:rPr lang="en-US" sz="1200" kern="1200" smtClean="0"/>
-            <a:t>R </a:t>
-          </a:r>
-          <a:endParaRPr lang="en-US" sz="1200" kern="1200" dirty="0"/>
-        </a:p>
-        <a:p>
-          <a:pPr marL="57150" lvl="1" indent="-57150" algn="l" defTabSz="400050">
-            <a:lnSpc>
-              <a:spcPct val="90000"/>
-            </a:lnSpc>
-            <a:spcBef>
-              <a:spcPct val="0"/>
-            </a:spcBef>
-            <a:spcAft>
-              <a:spcPct val="15000"/>
-            </a:spcAft>
-            <a:buChar char="••"/>
-          </a:pPr>
-          <a:r>
-            <a:rPr lang="en-US" sz="900" kern="1200" smtClean="0"/>
-            <a:t>discaRd</a:t>
-          </a:r>
-          <a:endParaRPr lang="en-US" sz="900" kern="1200"/>
+          <a:endParaRPr lang="en-US" sz="800" kern="1200" dirty="0"/>
         </a:p>
       </dsp:txBody>
       <dsp:txXfrm>
@@ -2976,7 +3081,7 @@
         <a:ext cx="1312860" cy="787716"/>
       </dsp:txXfrm>
     </dsp:sp>
-    <dsp:sp modelId="{42AA5858-B301-4F0B-92EF-141AFBC51465}">
+    <dsp:sp modelId="{CE6D5E99-D055-43C9-A6A8-34E1F32D3BF1}">
       <dsp:nvSpPr>
         <dsp:cNvPr id="0" name=""/>
         <dsp:cNvSpPr/>
@@ -3026,7 +3131,7 @@
         </a:bodyPr>
         <a:lstStyle/>
         <a:p>
-          <a:pPr lvl="0" algn="ctr" defTabSz="444500">
+          <a:pPr lvl="0" algn="ctr" defTabSz="311150">
             <a:lnSpc>
               <a:spcPct val="90000"/>
             </a:lnSpc>
@@ -3037,7 +3142,7 @@
               <a:spcPct val="35000"/>
             </a:spcAft>
           </a:pPr>
-          <a:endParaRPr lang="en-US" sz="1000" kern="1200"/>
+          <a:endParaRPr lang="en-US" sz="700" kern="1200"/>
         </a:p>
       </dsp:txBody>
       <dsp:txXfrm rot="-5400000">
@@ -3045,7 +3150,7 @@
         <a:ext cx="276272" cy="275528"/>
       </dsp:txXfrm>
     </dsp:sp>
-    <dsp:sp modelId="{F5E04CE5-22EA-47D6-BFF1-F92225CBAFB2}">
+    <dsp:sp modelId="{679947BB-EE38-46B0-97EE-3E04560C824E}">
       <dsp:nvSpPr>
         <dsp:cNvPr id="0" name=""/>
         <dsp:cNvSpPr/>
@@ -3095,12 +3200,12 @@
         </a:fontRef>
       </dsp:style>
       <dsp:txBody>
-        <a:bodyPr spcFirstLastPara="0" vert="horz" wrap="square" lIns="45720" tIns="45720" rIns="45720" bIns="45720" numCol="1" spcCol="1270" anchor="ctr" anchorCtr="0">
+        <a:bodyPr spcFirstLastPara="0" vert="horz" wrap="square" lIns="30480" tIns="30480" rIns="30480" bIns="30480" numCol="1" spcCol="1270" anchor="t" anchorCtr="0">
           <a:noAutofit/>
         </a:bodyPr>
         <a:lstStyle/>
         <a:p>
-          <a:pPr lvl="0" algn="ctr" defTabSz="533400">
+          <a:pPr lvl="0" algn="l" defTabSz="355600">
             <a:lnSpc>
               <a:spcPct val="90000"/>
             </a:lnSpc>
@@ -3112,10 +3217,29 @@
             </a:spcAft>
           </a:pPr>
           <a:r>
-            <a:rPr lang="en-US" sz="1200" kern="1200" dirty="0" smtClean="0"/>
-            <a:t>First run with broad, gear based strata</a:t>
+            <a:rPr lang="en-US" sz="800" kern="1200" dirty="0" smtClean="0"/>
+            <a:t>Second run using specified strata</a:t>
           </a:r>
-          <a:endParaRPr lang="en-US" sz="1200" kern="1200" dirty="0"/>
+          <a:endParaRPr lang="en-US" sz="800" kern="1200" dirty="0"/>
+        </a:p>
+        <a:p>
+          <a:pPr marL="57150" lvl="1" indent="-57150" algn="l" defTabSz="266700">
+            <a:lnSpc>
+              <a:spcPct val="90000"/>
+            </a:lnSpc>
+            <a:spcBef>
+              <a:spcPct val="0"/>
+            </a:spcBef>
+            <a:spcAft>
+              <a:spcPct val="15000"/>
+            </a:spcAft>
+            <a:buChar char="••"/>
+          </a:pPr>
+          <a:r>
+            <a:rPr lang="en-US" sz="600" kern="1200" dirty="0" smtClean="0"/>
+            <a:t>Generate rates per strata</a:t>
+          </a:r>
+          <a:endParaRPr lang="en-US" sz="600" kern="1200" dirty="0"/>
         </a:p>
       </dsp:txBody>
       <dsp:txXfrm>
@@ -3123,7 +3247,7 @@
         <a:ext cx="1312860" cy="787716"/>
       </dsp:txXfrm>
     </dsp:sp>
-    <dsp:sp modelId="{CE6D5E99-D055-43C9-A6A8-34E1F32D3BF1}">
+    <dsp:sp modelId="{A5F13CC2-9826-4699-A331-75172EE98A65}">
       <dsp:nvSpPr>
         <dsp:cNvPr id="0" name=""/>
         <dsp:cNvSpPr/>
@@ -3173,7 +3297,7 @@
         </a:bodyPr>
         <a:lstStyle/>
         <a:p>
-          <a:pPr lvl="0" algn="ctr" defTabSz="444500">
+          <a:pPr lvl="0" algn="ctr" defTabSz="311150">
             <a:lnSpc>
               <a:spcPct val="90000"/>
             </a:lnSpc>
@@ -3184,7 +3308,7 @@
               <a:spcPct val="35000"/>
             </a:spcAft>
           </a:pPr>
-          <a:endParaRPr lang="en-US" sz="1000" kern="1200"/>
+          <a:endParaRPr lang="en-US" sz="700" kern="1200"/>
         </a:p>
       </dsp:txBody>
       <dsp:txXfrm>
@@ -3192,7 +3316,7 @@
         <a:ext cx="275528" cy="276272"/>
       </dsp:txXfrm>
     </dsp:sp>
-    <dsp:sp modelId="{679947BB-EE38-46B0-97EE-3E04560C824E}">
+    <dsp:sp modelId="{DFA4FB02-9392-4434-85B7-68CB77108728}">
       <dsp:nvSpPr>
         <dsp:cNvPr id="0" name=""/>
         <dsp:cNvSpPr/>
@@ -3242,12 +3366,12 @@
         </a:fontRef>
       </dsp:style>
       <dsp:txBody>
-        <a:bodyPr spcFirstLastPara="0" vert="horz" wrap="square" lIns="45720" tIns="45720" rIns="45720" bIns="45720" numCol="1" spcCol="1270" anchor="t" anchorCtr="0">
+        <a:bodyPr spcFirstLastPara="0" vert="horz" wrap="square" lIns="30480" tIns="30480" rIns="30480" bIns="30480" numCol="1" spcCol="1270" anchor="ctr" anchorCtr="0">
           <a:noAutofit/>
         </a:bodyPr>
         <a:lstStyle/>
         <a:p>
-          <a:pPr lvl="0" algn="l" defTabSz="533400">
+          <a:pPr lvl="0" algn="ctr" defTabSz="355600">
             <a:lnSpc>
               <a:spcPct val="90000"/>
             </a:lnSpc>
@@ -3259,29 +3383,10 @@
             </a:spcAft>
           </a:pPr>
           <a:r>
-            <a:rPr lang="en-US" sz="1200" kern="1200" dirty="0" smtClean="0"/>
-            <a:t>Second run using specified strata</a:t>
+            <a:rPr lang="en-US" sz="800" kern="1200" dirty="0" smtClean="0"/>
+            <a:t>Fill in missing strata with broad rate</a:t>
           </a:r>
-          <a:endParaRPr lang="en-US" sz="1200" kern="1200" dirty="0"/>
-        </a:p>
-        <a:p>
-          <a:pPr marL="57150" lvl="1" indent="-57150" algn="l" defTabSz="400050">
-            <a:lnSpc>
-              <a:spcPct val="90000"/>
-            </a:lnSpc>
-            <a:spcBef>
-              <a:spcPct val="0"/>
-            </a:spcBef>
-            <a:spcAft>
-              <a:spcPct val="15000"/>
-            </a:spcAft>
-            <a:buChar char="••"/>
-          </a:pPr>
-          <a:r>
-            <a:rPr lang="en-US" sz="900" kern="1200" dirty="0" smtClean="0"/>
-            <a:t>Generate rates per strata</a:t>
-          </a:r>
-          <a:endParaRPr lang="en-US" sz="900" kern="1200" dirty="0"/>
+          <a:endParaRPr lang="en-US" sz="800" kern="1200" dirty="0"/>
         </a:p>
       </dsp:txBody>
       <dsp:txXfrm>
@@ -3289,7 +3394,7 @@
         <a:ext cx="1312860" cy="787716"/>
       </dsp:txXfrm>
     </dsp:sp>
-    <dsp:sp modelId="{A5F13CC2-9826-4699-A331-75172EE98A65}">
+    <dsp:sp modelId="{B99AE0C0-AF34-491D-8022-EE0D2E1319C2}">
       <dsp:nvSpPr>
         <dsp:cNvPr id="0" name=""/>
         <dsp:cNvSpPr/>
@@ -3339,7 +3444,7 @@
         </a:bodyPr>
         <a:lstStyle/>
         <a:p>
-          <a:pPr lvl="0" algn="ctr" defTabSz="444500">
+          <a:pPr lvl="0" algn="ctr" defTabSz="311150">
             <a:lnSpc>
               <a:spcPct val="90000"/>
             </a:lnSpc>
@@ -3350,7 +3455,7 @@
               <a:spcPct val="35000"/>
             </a:spcAft>
           </a:pPr>
-          <a:endParaRPr lang="en-US" sz="1000" kern="1200"/>
+          <a:endParaRPr lang="en-US" sz="700" kern="1200"/>
         </a:p>
       </dsp:txBody>
       <dsp:txXfrm>
@@ -3358,7 +3463,7 @@
         <a:ext cx="275528" cy="276272"/>
       </dsp:txXfrm>
     </dsp:sp>
-    <dsp:sp modelId="{DFA4FB02-9392-4434-85B7-68CB77108728}">
+    <dsp:sp modelId="{9ACF0091-C5F6-4DD4-924F-8C30B9DB953E}">
       <dsp:nvSpPr>
         <dsp:cNvPr id="0" name=""/>
         <dsp:cNvSpPr/>
@@ -3408,12 +3513,12 @@
         </a:fontRef>
       </dsp:style>
       <dsp:txBody>
-        <a:bodyPr spcFirstLastPara="0" vert="horz" wrap="square" lIns="45720" tIns="45720" rIns="45720" bIns="45720" numCol="1" spcCol="1270" anchor="ctr" anchorCtr="0">
+        <a:bodyPr spcFirstLastPara="0" vert="horz" wrap="square" lIns="30480" tIns="30480" rIns="30480" bIns="30480" numCol="1" spcCol="1270" anchor="ctr" anchorCtr="0">
           <a:noAutofit/>
         </a:bodyPr>
         <a:lstStyle/>
         <a:p>
-          <a:pPr lvl="0" algn="ctr" defTabSz="533400">
+          <a:pPr lvl="0" algn="ctr" defTabSz="355600">
             <a:lnSpc>
               <a:spcPct val="90000"/>
             </a:lnSpc>
@@ -3425,10 +3530,10 @@
             </a:spcAft>
           </a:pPr>
           <a:r>
-            <a:rPr lang="en-US" sz="1200" kern="1200" dirty="0" smtClean="0"/>
-            <a:t>Fill in missing strata with broad rate</a:t>
+            <a:rPr lang="en-US" sz="800" kern="1200" dirty="0" smtClean="0"/>
+            <a:t>Apply rate to trips by strata</a:t>
           </a:r>
-          <a:endParaRPr lang="en-US" sz="1200" kern="1200" dirty="0"/>
+          <a:endParaRPr lang="en-US" sz="800" kern="1200" dirty="0"/>
         </a:p>
       </dsp:txBody>
       <dsp:txXfrm>
@@ -3436,7 +3541,7 @@
         <a:ext cx="1312860" cy="787716"/>
       </dsp:txXfrm>
     </dsp:sp>
-    <dsp:sp modelId="{B99AE0C0-AF34-491D-8022-EE0D2E1319C2}">
+    <dsp:sp modelId="{84BE0FBC-212E-480F-89BB-D6C55A2759E6}">
       <dsp:nvSpPr>
         <dsp:cNvPr id="0" name=""/>
         <dsp:cNvSpPr/>
@@ -3486,7 +3591,7 @@
         </a:bodyPr>
         <a:lstStyle/>
         <a:p>
-          <a:pPr lvl="0" algn="ctr" defTabSz="444500">
+          <a:pPr lvl="0" algn="ctr" defTabSz="311150">
             <a:lnSpc>
               <a:spcPct val="90000"/>
             </a:lnSpc>
@@ -3497,7 +3602,7 @@
               <a:spcPct val="35000"/>
             </a:spcAft>
           </a:pPr>
-          <a:endParaRPr lang="en-US" sz="1000" kern="1200"/>
+          <a:endParaRPr lang="en-US" sz="700" kern="1200"/>
         </a:p>
       </dsp:txBody>
       <dsp:txXfrm rot="-5400000">
@@ -3505,7 +3610,7 @@
         <a:ext cx="276272" cy="275528"/>
       </dsp:txXfrm>
     </dsp:sp>
-    <dsp:sp modelId="{9ACF0091-C5F6-4DD4-924F-8C30B9DB953E}">
+    <dsp:sp modelId="{7C5CE214-09D8-4B61-8648-A278FFB4DE5C}">
       <dsp:nvSpPr>
         <dsp:cNvPr id="0" name=""/>
         <dsp:cNvSpPr/>
@@ -3555,12 +3660,12 @@
         </a:fontRef>
       </dsp:style>
       <dsp:txBody>
-        <a:bodyPr spcFirstLastPara="0" vert="horz" wrap="square" lIns="45720" tIns="45720" rIns="45720" bIns="45720" numCol="1" spcCol="1270" anchor="ctr" anchorCtr="0">
+        <a:bodyPr spcFirstLastPara="0" vert="horz" wrap="square" lIns="30480" tIns="30480" rIns="30480" bIns="30480" numCol="1" spcCol="1270" anchor="ctr" anchorCtr="0">
           <a:noAutofit/>
         </a:bodyPr>
         <a:lstStyle/>
         <a:p>
-          <a:pPr lvl="0" algn="ctr" defTabSz="533400">
+          <a:pPr lvl="0" algn="ctr" defTabSz="355600">
             <a:lnSpc>
               <a:spcPct val="90000"/>
             </a:lnSpc>
@@ -3572,10 +3677,18 @@
             </a:spcAft>
           </a:pPr>
           <a:r>
-            <a:rPr lang="en-US" sz="1200" kern="1200" dirty="0" smtClean="0"/>
-            <a:t>Apply rate to trips by strata</a:t>
+            <a:rPr lang="en-US" sz="800" kern="1200" dirty="0" err="1" smtClean="0"/>
+            <a:t>Mutliply</a:t>
           </a:r>
-          <a:endParaRPr lang="en-US" sz="1200" kern="1200" dirty="0"/>
+          <a:r>
+            <a:rPr lang="en-US" sz="800" kern="1200" dirty="0" smtClean="0"/>
+            <a:t> rate * KALL for </a:t>
+          </a:r>
+          <a:r>
+            <a:rPr lang="en-US" sz="800" kern="1200" dirty="0" err="1" smtClean="0"/>
+            <a:t>subtrip</a:t>
+          </a:r>
+          <a:endParaRPr lang="en-US" sz="800" kern="1200" dirty="0"/>
         </a:p>
       </dsp:txBody>
       <dsp:txXfrm>
@@ -3583,15 +3696,15 @@
         <a:ext cx="1312860" cy="787716"/>
       </dsp:txXfrm>
     </dsp:sp>
-    <dsp:sp modelId="{84BE0FBC-212E-480F-89BB-D6C55A2759E6}">
+    <dsp:sp modelId="{BE8760CC-794C-4F2C-9584-E83A5185D76A}">
       <dsp:nvSpPr>
         <dsp:cNvPr id="0" name=""/>
         <dsp:cNvSpPr/>
       </dsp:nvSpPr>
       <dsp:spPr>
-        <a:xfrm rot="10800000">
-          <a:off x="5561307" y="5898754"/>
-          <a:ext cx="393612" cy="460452"/>
+        <a:xfrm rot="10921920">
+          <a:off x="4954602" y="5839122"/>
+          <a:ext cx="822686" cy="460452"/>
         </a:xfrm>
         <a:prstGeom prst="rightArrow">
           <a:avLst>
@@ -3633,7 +3746,7 @@
         </a:bodyPr>
         <a:lstStyle/>
         <a:p>
-          <a:pPr lvl="0" algn="ctr" defTabSz="444500">
+          <a:pPr lvl="0" algn="ctr" defTabSz="311150">
             <a:lnSpc>
               <a:spcPct val="90000"/>
             </a:lnSpc>
@@ -3644,167 +3757,12 @@
               <a:spcPct val="35000"/>
             </a:spcAft>
           </a:pPr>
-          <a:endParaRPr lang="en-US" sz="1000" kern="1200"/>
+          <a:endParaRPr lang="en-US" sz="700" kern="1200"/>
         </a:p>
       </dsp:txBody>
       <dsp:txXfrm rot="10800000">
-        <a:off x="5679391" y="5990844"/>
-        <a:ext cx="275528" cy="276272"/>
-      </dsp:txXfrm>
-    </dsp:sp>
-    <dsp:sp modelId="{7C5CE214-09D8-4B61-8648-A278FFB4DE5C}">
-      <dsp:nvSpPr>
-        <dsp:cNvPr id="0" name=""/>
-        <dsp:cNvSpPr/>
-      </dsp:nvSpPr>
-      <dsp:spPr>
-        <a:xfrm>
-          <a:off x="3518976" y="5571981"/>
-          <a:ext cx="1856664" cy="1113998"/>
-        </a:xfrm>
-        <a:prstGeom prst="ellipse">
-          <a:avLst/>
-        </a:prstGeom>
-        <a:solidFill>
-          <a:schemeClr val="accent1">
-            <a:hueOff val="0"/>
-            <a:satOff val="0"/>
-            <a:lumOff val="0"/>
-            <a:alphaOff val="0"/>
-          </a:schemeClr>
-        </a:solidFill>
-        <a:ln w="12700" cap="flat" cmpd="sng" algn="ctr">
-          <a:solidFill>
-            <a:schemeClr val="lt1">
-              <a:hueOff val="0"/>
-              <a:satOff val="0"/>
-              <a:lumOff val="0"/>
-              <a:alphaOff val="0"/>
-            </a:schemeClr>
-          </a:solidFill>
-          <a:prstDash val="solid"/>
-          <a:miter lim="800000"/>
-        </a:ln>
-        <a:effectLst/>
-      </dsp:spPr>
-      <dsp:style>
-        <a:lnRef idx="2">
-          <a:scrgbClr r="0" g="0" b="0"/>
-        </a:lnRef>
-        <a:fillRef idx="1">
-          <a:scrgbClr r="0" g="0" b="0"/>
-        </a:fillRef>
-        <a:effectRef idx="0">
-          <a:scrgbClr r="0" g="0" b="0"/>
-        </a:effectRef>
-        <a:fontRef idx="minor">
-          <a:schemeClr val="lt1"/>
-        </a:fontRef>
-      </dsp:style>
-      <dsp:txBody>
-        <a:bodyPr spcFirstLastPara="0" vert="horz" wrap="square" lIns="45720" tIns="45720" rIns="45720" bIns="45720" numCol="1" spcCol="1270" anchor="ctr" anchorCtr="0">
-          <a:noAutofit/>
-        </a:bodyPr>
-        <a:lstStyle/>
-        <a:p>
-          <a:pPr lvl="0" algn="ctr" defTabSz="533400">
-            <a:lnSpc>
-              <a:spcPct val="90000"/>
-            </a:lnSpc>
-            <a:spcBef>
-              <a:spcPct val="0"/>
-            </a:spcBef>
-            <a:spcAft>
-              <a:spcPct val="35000"/>
-            </a:spcAft>
-          </a:pPr>
-          <a:r>
-            <a:rPr lang="en-US" sz="1200" kern="1200" dirty="0" err="1" smtClean="0"/>
-            <a:t>Mutliply</a:t>
-          </a:r>
-          <a:r>
-            <a:rPr lang="en-US" sz="1200" kern="1200" dirty="0" smtClean="0"/>
-            <a:t> rate * KALL for </a:t>
-          </a:r>
-          <a:r>
-            <a:rPr lang="en-US" sz="1200" kern="1200" dirty="0" err="1" smtClean="0"/>
-            <a:t>subtrip</a:t>
-          </a:r>
-          <a:endParaRPr lang="en-US" sz="1200" kern="1200" dirty="0"/>
-        </a:p>
-      </dsp:txBody>
-      <dsp:txXfrm>
-        <a:off x="3790878" y="5735122"/>
-        <a:ext cx="1312860" cy="787716"/>
-      </dsp:txXfrm>
-    </dsp:sp>
-    <dsp:sp modelId="{BE8760CC-794C-4F2C-9584-E83A5185D76A}">
-      <dsp:nvSpPr>
-        <dsp:cNvPr id="0" name=""/>
-        <dsp:cNvSpPr/>
-      </dsp:nvSpPr>
-      <dsp:spPr>
-        <a:xfrm rot="10800000">
-          <a:off x="2961977" y="5898754"/>
-          <a:ext cx="393612" cy="460452"/>
-        </a:xfrm>
-        <a:prstGeom prst="rightArrow">
-          <a:avLst>
-            <a:gd name="adj1" fmla="val 60000"/>
-            <a:gd name="adj2" fmla="val 50000"/>
-          </a:avLst>
-        </a:prstGeom>
-        <a:solidFill>
-          <a:schemeClr val="accent1">
-            <a:tint val="60000"/>
-            <a:hueOff val="0"/>
-            <a:satOff val="0"/>
-            <a:lumOff val="0"/>
-            <a:alphaOff val="0"/>
-          </a:schemeClr>
-        </a:solidFill>
-        <a:ln>
-          <a:noFill/>
-        </a:ln>
-        <a:effectLst/>
-      </dsp:spPr>
-      <dsp:style>
-        <a:lnRef idx="0">
-          <a:scrgbClr r="0" g="0" b="0"/>
-        </a:lnRef>
-        <a:fillRef idx="1">
-          <a:scrgbClr r="0" g="0" b="0"/>
-        </a:fillRef>
-        <a:effectRef idx="0">
-          <a:scrgbClr r="0" g="0" b="0"/>
-        </a:effectRef>
-        <a:fontRef idx="minor">
-          <a:schemeClr val="lt1"/>
-        </a:fontRef>
-      </dsp:style>
-      <dsp:txBody>
-        <a:bodyPr spcFirstLastPara="0" vert="horz" wrap="square" lIns="0" tIns="0" rIns="0" bIns="0" numCol="1" spcCol="1270" anchor="ctr" anchorCtr="0">
-          <a:noAutofit/>
-        </a:bodyPr>
-        <a:lstStyle/>
-        <a:p>
-          <a:pPr lvl="0" algn="ctr" defTabSz="444500">
-            <a:lnSpc>
-              <a:spcPct val="90000"/>
-            </a:lnSpc>
-            <a:spcBef>
-              <a:spcPct val="0"/>
-            </a:spcBef>
-            <a:spcAft>
-              <a:spcPct val="35000"/>
-            </a:spcAft>
-          </a:pPr>
-          <a:endParaRPr lang="en-US" sz="1000" kern="1200"/>
-        </a:p>
-      </dsp:txBody>
-      <dsp:txXfrm rot="10800000">
-        <a:off x="3080061" y="5990844"/>
-        <a:ext cx="275528" cy="276272"/>
+        <a:off x="5092695" y="5933661"/>
+        <a:ext cx="684550" cy="276272"/>
       </dsp:txXfrm>
     </dsp:sp>
     <dsp:sp modelId="{94D28A2F-DD66-4455-9C6A-FAF35AC598FE}">
@@ -3814,7 +3772,7 @@
       </dsp:nvSpPr>
       <dsp:spPr>
         <a:xfrm>
-          <a:off x="919646" y="5571981"/>
+          <a:off x="2710380" y="5451067"/>
           <a:ext cx="1856664" cy="1113998"/>
         </a:xfrm>
         <a:prstGeom prst="rect">
@@ -3852,12 +3810,12 @@
         </a:fontRef>
       </dsp:style>
       <dsp:txBody>
-        <a:bodyPr spcFirstLastPara="0" vert="horz" wrap="square" lIns="45720" tIns="45720" rIns="45720" bIns="45720" numCol="1" spcCol="1270" anchor="ctr" anchorCtr="0">
+        <a:bodyPr spcFirstLastPara="0" vert="horz" wrap="square" lIns="30480" tIns="30480" rIns="30480" bIns="30480" numCol="1" spcCol="1270" anchor="ctr" anchorCtr="0">
           <a:noAutofit/>
         </a:bodyPr>
         <a:lstStyle/>
         <a:p>
-          <a:pPr lvl="0" algn="ctr" defTabSz="533400">
+          <a:pPr lvl="0" algn="ctr" defTabSz="355600">
             <a:lnSpc>
               <a:spcPct val="90000"/>
             </a:lnSpc>
@@ -3869,18 +3827,26 @@
             </a:spcAft>
           </a:pPr>
           <a:r>
-            <a:rPr lang="en-US" sz="1200" kern="1200" dirty="0" smtClean="0"/>
-            <a:t>Output table of discard and DMIS </a:t>
+            <a:rPr lang="en-US" sz="800" kern="1200" dirty="0" smtClean="0"/>
+            <a:t>Output table </a:t>
           </a:r>
           <a:r>
-            <a:rPr lang="en-US" sz="1200" kern="1200" smtClean="0"/>
+            <a:rPr lang="en-US" sz="800" kern="1200" smtClean="0"/>
+            <a:t>of species </a:t>
+          </a:r>
+          <a:r>
+            <a:rPr lang="en-US" sz="800" kern="1200" dirty="0" smtClean="0"/>
+            <a:t>discard and DMIS </a:t>
+          </a:r>
+          <a:r>
+            <a:rPr lang="en-US" sz="800" kern="1200" smtClean="0"/>
             <a:t>TRIP ID</a:t>
           </a:r>
-          <a:endParaRPr lang="en-US" sz="1200" kern="1200" dirty="0" smtClean="0"/>
+          <a:endParaRPr lang="en-US" sz="800" kern="1200" dirty="0" smtClean="0"/>
         </a:p>
       </dsp:txBody>
       <dsp:txXfrm>
-        <a:off x="919646" y="5571981"/>
+        <a:off x="2710380" y="5451067"/>
         <a:ext cx="1856664" cy="1113998"/>
       </dsp:txXfrm>
     </dsp:sp>
@@ -8027,7 +7993,7 @@
           <p:nvPr>
             <p:extLst>
               <p:ext uri="{D42A27DB-BD31-4B8C-83A1-F6EECF244321}">
-                <p14:modId xmlns:p14="http://schemas.microsoft.com/office/powerpoint/2010/main" val="3310825777"/>
+                <p14:modId xmlns:p14="http://schemas.microsoft.com/office/powerpoint/2010/main" val="2349088384"/>
               </p:ext>
             </p:extLst>
           </p:nvPr>

--- a/discard_schematic_112520.pptx
+++ b/discard_schematic_112520.pptx
@@ -5,8 +5,7 @@
     <p:sldMasterId id="2147483660" r:id="rId1"/>
   </p:sldMasterIdLst>
   <p:sldIdLst>
-    <p:sldId id="256" r:id="rId2"/>
-    <p:sldId id="257" r:id="rId3"/>
+    <p:sldId id="257" r:id="rId2"/>
   </p:sldIdLst>
   <p:sldSz cx="9144000" cy="6858000" type="screen4x3"/>
   <p:notesSz cx="6858000" cy="9144000"/>
@@ -940,11 +939,7 @@
           <a:pPr algn="l"/>
           <a:r>
             <a:rPr lang="en-US" dirty="0" smtClean="0"/>
-            <a:t>Define strata </a:t>
-          </a:r>
-          <a:r>
-            <a:rPr lang="en-US" dirty="0" smtClean="0"/>
-            <a:t>variables: </a:t>
+            <a:t>Define strata variables: </a:t>
           </a:r>
         </a:p>
         <a:p>
@@ -1017,11 +1012,7 @@
           </a:r>
           <a:r>
             <a:rPr lang="en-US" dirty="0" smtClean="0"/>
-            <a:t> </a:t>
-          </a:r>
-          <a:r>
-            <a:rPr lang="en-US" dirty="0" smtClean="0"/>
-            <a:t>data: get d/k for </a:t>
+            <a:t> data: get d/k for </a:t>
           </a:r>
         </a:p>
         <a:p>
@@ -1535,11 +1526,7 @@
         <a:p>
           <a:r>
             <a:rPr lang="en-US" dirty="0" smtClean="0"/>
-            <a:t>Apply stratification </a:t>
-          </a:r>
-          <a:r>
-            <a:rPr lang="en-US" dirty="0" smtClean="0"/>
-            <a:t>definition to Catch at </a:t>
+            <a:t>Apply stratification definition to Catch at </a:t>
           </a:r>
           <a:r>
             <a:rPr lang="en-US" dirty="0" err="1" smtClean="0"/>
@@ -2014,8 +2001,8 @@
     </dgm:pt>
   </dgm:ptLst>
   <dgm:cxnLst>
+    <dgm:cxn modelId="{EF8FBF1B-40DE-4CCE-A324-6C11376A6926}" type="presOf" srcId="{4C476D2F-DF5E-49C7-B5F8-EF125B0111EB}" destId="{B0B0754D-9D27-4867-8E8D-888EECF66D2E}" srcOrd="1" destOrd="0" presId="urn:microsoft.com/office/officeart/2005/8/layout/process5"/>
     <dgm:cxn modelId="{8049FB92-DA60-47D6-BB3C-BD87DFA6802A}" type="presOf" srcId="{71C8DEB9-7AE8-48FA-8E20-D27A389D8E58}" destId="{679947BB-EE38-46B0-97EE-3E04560C824E}" srcOrd="0" destOrd="1" presId="urn:microsoft.com/office/officeart/2005/8/layout/process5"/>
-    <dgm:cxn modelId="{EF8FBF1B-40DE-4CCE-A324-6C11376A6926}" type="presOf" srcId="{4C476D2F-DF5E-49C7-B5F8-EF125B0111EB}" destId="{B0B0754D-9D27-4867-8E8D-888EECF66D2E}" srcOrd="1" destOrd="0" presId="urn:microsoft.com/office/officeart/2005/8/layout/process5"/>
     <dgm:cxn modelId="{3DA319CB-EECC-488F-A51E-14E2E3DAA3C8}" type="presOf" srcId="{2456DC71-CE33-4E92-A356-B453D6EAFEA4}" destId="{2A238D4E-812E-4276-BC79-3982AE75940B}" srcOrd="0" destOrd="0" presId="urn:microsoft.com/office/officeart/2005/8/layout/process5"/>
     <dgm:cxn modelId="{A361146B-605D-43B3-87E7-CE48A3E7E060}" srcId="{AFEBBE14-6030-44F4-9AAC-04347B19DDFF}" destId="{462626DB-9507-4007-BF55-1EEACF503FA6}" srcOrd="6" destOrd="0" parTransId="{A7A56C61-FEA0-46F5-B3CB-85A1D1E4638D}" sibTransId="{836014EB-E3FA-46E5-BF15-2D855296BA9D}"/>
     <dgm:cxn modelId="{4454BC30-D440-4518-BBA1-75DFEE798CE8}" srcId="{AFEBBE14-6030-44F4-9AAC-04347B19DDFF}" destId="{8CB00271-920F-4470-9E46-BAF8DB6A5739}" srcOrd="9" destOrd="0" parTransId="{48724375-D5A6-4D60-9DD7-E332A69DD3BA}" sibTransId="{83762025-E082-41F2-8192-D483648BA286}"/>
@@ -2035,8 +2022,8 @@
     <dgm:cxn modelId="{D35DCD5D-A7A0-4CA3-AB1F-9AEFF20C4AE3}" srcId="{1AF08F38-1E11-4A16-9C61-D4CEF1AB8434}" destId="{CDB43846-D190-439E-B325-C650F6A5B64D}" srcOrd="0" destOrd="0" parTransId="{3311988A-3276-4913-9B03-CD9460A5B469}" sibTransId="{02EAFD03-C80B-4625-AE45-159E145C6731}"/>
     <dgm:cxn modelId="{CAAF8D5C-2613-4ABE-ACDF-BAD13169BBE5}" srcId="{AFEBBE14-6030-44F4-9AAC-04347B19DDFF}" destId="{C4D4C2AA-243E-4777-94DE-D84AB7D01F3B}" srcOrd="4" destOrd="0" parTransId="{3EDBFB46-F6E1-490C-B940-67918A577273}" sibTransId="{A0215EB4-991E-4194-8450-48691E3DCB83}"/>
     <dgm:cxn modelId="{690745B6-1BD2-4703-97B6-C053739CD66F}" type="presOf" srcId="{C4D4C2AA-243E-4777-94DE-D84AB7D01F3B}" destId="{542E92CC-0AC0-4662-B1BF-4F9D08482302}" srcOrd="0" destOrd="0" presId="urn:microsoft.com/office/officeart/2005/8/layout/process5"/>
+    <dgm:cxn modelId="{36F14279-3070-421F-84B0-5F3159643B10}" type="presOf" srcId="{E749AA81-A22B-44AC-8699-CDFCDEBA10E0}" destId="{A9B26DF7-5BC0-4053-8473-4A85C5D6BF5E}" srcOrd="0" destOrd="0" presId="urn:microsoft.com/office/officeart/2005/8/layout/process5"/>
     <dgm:cxn modelId="{C177072D-5F2F-4E0D-B7D0-38CF2E4D800A}" type="presOf" srcId="{4C476D2F-DF5E-49C7-B5F8-EF125B0111EB}" destId="{E4CBA98E-F68B-4094-81A3-1FF8B498EF6E}" srcOrd="0" destOrd="0" presId="urn:microsoft.com/office/officeart/2005/8/layout/process5"/>
-    <dgm:cxn modelId="{36F14279-3070-421F-84B0-5F3159643B10}" type="presOf" srcId="{E749AA81-A22B-44AC-8699-CDFCDEBA10E0}" destId="{A9B26DF7-5BC0-4053-8473-4A85C5D6BF5E}" srcOrd="0" destOrd="0" presId="urn:microsoft.com/office/officeart/2005/8/layout/process5"/>
     <dgm:cxn modelId="{25EBE1B1-ABFE-4333-B6EF-45BFDA77EA26}" type="presOf" srcId="{69EF35AA-79EF-4223-A4CF-4495E5AD48B5}" destId="{9ACF0091-C5F6-4DD4-924F-8C30B9DB953E}" srcOrd="0" destOrd="0" presId="urn:microsoft.com/office/officeart/2005/8/layout/process5"/>
     <dgm:cxn modelId="{1765103E-E992-477F-8937-95A28CF87323}" type="presOf" srcId="{1160C2BE-2CFB-4D72-A139-85996EF480CA}" destId="{B99AE0C0-AF34-491D-8022-EE0D2E1319C2}" srcOrd="0" destOrd="0" presId="urn:microsoft.com/office/officeart/2005/8/layout/process5"/>
     <dgm:cxn modelId="{5A0B0FE8-594E-41EE-AE5D-BD6537A3065E}" type="presOf" srcId="{2456DC71-CE33-4E92-A356-B453D6EAFEA4}" destId="{447E9B2F-E3D0-498C-A034-F17D78FBD133}" srcOrd="1" destOrd="0" presId="urn:microsoft.com/office/officeart/2005/8/layout/process5"/>
@@ -2321,11 +2308,7 @@
           </a:pPr>
           <a:r>
             <a:rPr lang="en-US" sz="800" kern="1200" dirty="0" smtClean="0"/>
-            <a:t>Define strata </a:t>
-          </a:r>
-          <a:r>
-            <a:rPr lang="en-US" sz="800" kern="1200" dirty="0" smtClean="0"/>
-            <a:t>variables: </a:t>
+            <a:t>Define strata variables: </a:t>
           </a:r>
         </a:p>
         <a:p>
@@ -2510,11 +2493,7 @@
           </a:r>
           <a:r>
             <a:rPr lang="en-US" sz="800" kern="1200" dirty="0" smtClean="0"/>
-            <a:t> </a:t>
-          </a:r>
-          <a:r>
-            <a:rPr lang="en-US" sz="800" kern="1200" dirty="0" smtClean="0"/>
-            <a:t>data: get d/k for </a:t>
+            <a:t> data: get d/k for </a:t>
           </a:r>
         </a:p>
         <a:p>
@@ -2704,11 +2683,7 @@
           </a:pPr>
           <a:r>
             <a:rPr lang="en-US" sz="800" kern="1200" dirty="0" smtClean="0"/>
-            <a:t>Apply stratification </a:t>
-          </a:r>
-          <a:r>
-            <a:rPr lang="en-US" sz="800" kern="1200" dirty="0" smtClean="0"/>
-            <a:t>definition to Catch at </a:t>
+            <a:t>Apply stratification definition to Catch at </a:t>
           </a:r>
           <a:r>
             <a:rPr lang="en-US" sz="800" kern="1200" dirty="0" err="1" smtClean="0"/>
@@ -5057,6 +5032,35 @@
     </dgm:style>
   </dgm:styleLbl>
 </dgm:styleDef>
+</file>
+
+<file path=ppt/ink/ink1.xml><?xml version="1.0" encoding="utf-8"?>
+<inkml:ink xmlns:inkml="http://www.w3.org/2003/InkML">
+  <inkml:definitions>
+    <inkml:context xml:id="ctx0">
+      <inkml:inkSource xml:id="inkSrc0">
+        <inkml:traceFormat>
+          <inkml:channel name="X" type="integer" min="-1920" max="1600" units="cm"/>
+          <inkml:channel name="Y" type="integer" max="1200" units="cm"/>
+          <inkml:channel name="T" type="integer" max="2.14748E9" units="dev"/>
+        </inkml:traceFormat>
+        <inkml:channelProperties>
+          <inkml:channelProperty channel="X" name="resolution" value="85.85366" units="1/cm"/>
+          <inkml:channelProperty channel="Y" name="resolution" value="38.70968" units="1/cm"/>
+          <inkml:channelProperty channel="T" name="resolution" value="1" units="1/dev"/>
+        </inkml:channelProperties>
+      </inkml:inkSource>
+      <inkml:timestamp xml:id="ts0" timeString="2020-11-25T18:22:47.994"/>
+    </inkml:context>
+    <inkml:brush xml:id="br0">
+      <inkml:brushProperty name="width" value="0.05292" units="cm"/>
+      <inkml:brushProperty name="height" value="0.05292" units="cm"/>
+      <inkml:brushProperty name="color" value="#0070C0"/>
+    </inkml:brush>
+  </inkml:definitions>
+  <inkml:trace contextRef="#ctx0" brushRef="#br0">13224 14542 0,'-32'-32'31,"16"32"-31,0 0 15,1 0-15,-128 0 16,111-16-16,-16 0 16,17 16-16,-17 0 0,0 0 15,17 0-15,-890 0 16,794 0 0,0-16-16,16 0 0,-16 16 0,0-16 15,16 1-15,-1-1 0,1 0 0,-444-143 31,444 127-31,31 1 16,17 15-16,-17-16 0,17 0 0,-32-15 16,47 15-1,16 0-15,16 0 0,-15 1 16,-1-17 0,16 16-16,-111-127 31,111 144-31,0-17 0,0 0 0,0 0 15,-63-142 1,63 126 0,0 0-16,16 17 0,-16-17 0,16 32 15,-15-16-15,15 1 0,0-477 32,0 428-32,0 17 0,0-1 15,0-31-15,0 32 0,0-223 16,0 206-16,0-47 15,0 48-15,15 16 0,17-17 16,-16 17-16,0-1 0,16 1 0,95-366 31,-96 381-31,-15-15 16,16-1-16,16-15 0,-17 31 0,-15 1 16,127-144-1,-95 144-15,47-49 16,-47 33-16,-1 31 0,64-47 0,223-159 15,-239 206 1,80-32-16,-96 17 0,96-1 16,-64 16-16,0 17 0,-16-1 0,48-32 15,0 16-15,16 16 0,31 1 16,17-17-16,1078-143 16,-1015 159-16,222 0 15,-222 16-15,-47 0 0,554 0 16,-538 0-16,1221 0 31,-1222 0-31,-16 0 0,64 64 16,365 15-16,-429-31 15,175 0-15,-32-1 16,-190-15-16,0 0 0,-33 31 0,17-31 16,-16 0-16,508 206 15,-508-191 1,-16 17-16,16-1 0,0 1 0,15 15 15,1-15-15,365 110 16,-175-47-16,-174-79 0,-1 0 0,-15 15 16,0-15-16,0-16 0,15 15 15,-31 17-15,16-33 0,349 128 16,-397-127-16,0 0 16,0-1-16,-15 17 0,-1 0 0,0-1 15,0 1-15,-79 15 0,-16 112 31,0-127-31,0-17 0,0 17 0,0-16 16,0-16-16,0 15 0,0 255 31,0-175-31,0 127 16,0-142-16,0-1 0,0 349 31,0-364-31,0 94 0,0-78 16,0-1-16,0 0 0,0 0 0,0 429 31,0-301-31,0-128 16,0 32-16,0-16 0,0 0 0,0 0 15,0-16-15,-111 588 32,79-556-32,-31 143 0,-48-16 15,63-127-15,-15 0 0,15 0 0,-158 302 31,-33-48-31,192-302 16,-1 16-16,1 0 0,-1-15 16,0-1-16,-15 1 0,31-1 0,-301 365 31,285-364-31,-15-33 0,-64 112 16,63-159-1,48 0-15,-16 0 0,1 0 0,-1 0 16,0 0-16,16 0 0,-111 0 15,111 0 1,1 0-16,-17 0 0,16 0 0,-32 0 0,32 0 16,1 0-16,-160 0 15,111 0 1,1 0-16,31 0 0,0 0 16,-47 0-16,47 0 15,-15 0-15,15 0 0,-16 0 0,17 0 16,-112 0-1,111 0-15,-16 0 0,-47 0 16,47 0-16,17 0 0,-17 0 0,-15 0 16,31 0-16,-111 0 0,0 0 15,64 0-15,-334 0 16,334 0-16,-1 0 0,-15 0 16,31 0-16,-15 0 0,16 0 0,-1 0 15,-15 0-15,15 0 0,1 0 0,-1 0 16,-412-95-1,412 63-15,-78 16 16,62-15-16,17-1 0,-1 16 16,-79-32-16,64 48 0,15-16 15,-444-142 1,429 142 0,31 0-16,1 0 0,-48-16 15,63 16-15,-79-63 31,79 47-31,16 32 0,0-16 16,0 1-16,0-1 0,1 0 16,-1 16-16,-16-80 15,32 65-15,-32-17 0,0-16 16,-15 1 0,15-1-16,0 32 15,-15-47-15,47 47 16,-32-16-16,16 0 0,0 16 0,0 0 15,16 1-15,-47-17 16,47 16 0,-32 0-16,16 0 0,16 0 0,-16 16 15,16-16-15,-16 16 0,-31-31 16,15 15 0,16 16-16,-63-32 15,31 32-15,32-16 16,-16 0-16,17 0 15,-17-15-15,0 31 0,0-48 32,16 48-32,-15-32 0,15 32 0,0-16 0,-48-63 47,33 31-47,-1 1 15,16 47-15,0-32 0,16 16 0,0 0 16,-63-95-1,47 95 1,0 0-16,16-15 0,0 15 0,-16-16 16,0 0-16,16 1 0,-63-65 15,47 80 1,16-15-16,-32-1 0,32 0 0,-32 0 16,32 1-16,-16-1 0,-15-32 15,-17 17-15,32 15 16,-16 0-16,1 1 0,31 15 0,-111-80 31,95 65-31,-32-17 16,16 16-1,1 16-15,31 1 0,-16-1 16,-16-16-16,16 16 0,-16-16 16,16 16-16,-31-31 15,15 15-15,16 16 16,0 0-16,0 0 0,1 1 15,-65-81 1,64 80 0,-15-15-16,15 15 0,0 0 15,-48-32 1,64 32-16,-31-15 0,-33-17 16,48 32-1,0 16-15,0-32 0,-47-31 16,31 47-1,0-16-15,1 1 0,-1 15 16,16 0-16,-63-16 16,63 16-16,-16 0 15,16 16-15,-16-31 0,17 31 0,-17 0 16,32-16-16,-32-16 0,16 32 0,-79-64 31,47 49-31,32-1 0,-15 0 16,-17-16-16,-79-31 31,48 31-31,63 16 0,0 0 16,-79-16-1,31 1 1,17 15-16,31 0 0,-16 0 0,-47-16 16,-80-47 15,111 47-16,32 32-15,-63-32 16,63 32 0,0-16-16,0 16 0,-15-15 0,15 15 0,0 0 15,-16-16-15,16 16 0,-16-16 16,17 16-16,-17-16 0,-16 0 16,-47 0 15,47-16-16,32 32-15,-15 0 0,15-15 16,0 15-16,-16-16 16,16 16-1,0 0-15,-15-16 16,-17-16 15,32 32-31,0 0 16,0 0-16,1-16 15,-1 16-15,0 0 0,-32 0 32,32 0-32,0 0 0,1 0 0,-1 0 15,-64 0-15,1 0 32,63 0-32,-16 0 15,16 0 1,1 0 31,-1 0-16,0 0-31,0 0 16,0 0-1,0 0 1,16 16-16,-32 0 31,32 0-15,-15-16-1,15 16-15</inkml:trace>
+  <inkml:trace contextRef="#ctx0" brushRef="#br0" timeOffset="682239.5966">24717 3270 0</inkml:trace>
+</inkml:ink>
 </file>
 
 <file path=ppt/slideLayouts/slideLayout1.xml><?xml version="1.0" encoding="utf-8"?>
@@ -7918,74 +7922,6 @@
           <a:chExt cx="0" cy="0"/>
         </a:xfrm>
       </p:grpSpPr>
-      <p:sp>
-        <p:nvSpPr>
-          <p:cNvPr id="2" name="Title 1"/>
-          <p:cNvSpPr>
-            <a:spLocks noGrp="1"/>
-          </p:cNvSpPr>
-          <p:nvPr>
-            <p:ph type="ctrTitle"/>
-          </p:nvPr>
-        </p:nvSpPr>
-        <p:spPr/>
-        <p:txBody>
-          <a:bodyPr/>
-          <a:lstStyle/>
-          <a:p>
-            <a:endParaRPr lang="en-US"/>
-          </a:p>
-        </p:txBody>
-      </p:sp>
-      <p:sp>
-        <p:nvSpPr>
-          <p:cNvPr id="3" name="Subtitle 2"/>
-          <p:cNvSpPr>
-            <a:spLocks noGrp="1"/>
-          </p:cNvSpPr>
-          <p:nvPr>
-            <p:ph type="subTitle" idx="1"/>
-          </p:nvPr>
-        </p:nvSpPr>
-        <p:spPr/>
-        <p:txBody>
-          <a:bodyPr/>
-          <a:lstStyle/>
-          <a:p>
-            <a:endParaRPr lang="en-US"/>
-          </a:p>
-        </p:txBody>
-      </p:sp>
-    </p:spTree>
-    <p:extLst>
-      <p:ext uri="{BB962C8B-B14F-4D97-AF65-F5344CB8AC3E}">
-        <p14:creationId xmlns:p14="http://schemas.microsoft.com/office/powerpoint/2010/main" val="2182783933"/>
-      </p:ext>
-    </p:extLst>
-  </p:cSld>
-  <p:clrMapOvr>
-    <a:masterClrMapping/>
-  </p:clrMapOvr>
-</p:sld>
-</file>
-
-<file path=ppt/slides/slide2.xml><?xml version="1.0" encoding="utf-8"?>
-<p:sld xmlns:a="http://schemas.openxmlformats.org/drawingml/2006/main" xmlns:r="http://schemas.openxmlformats.org/officeDocument/2006/relationships" xmlns:p="http://schemas.openxmlformats.org/presentationml/2006/main">
-  <p:cSld>
-    <p:spTree>
-      <p:nvGrpSpPr>
-        <p:cNvPr id="1" name=""/>
-        <p:cNvGrpSpPr/>
-        <p:nvPr/>
-      </p:nvGrpSpPr>
-      <p:grpSpPr>
-        <a:xfrm>
-          <a:off x="0" y="0"/>
-          <a:ext cx="0" cy="0"/>
-          <a:chOff x="0" y="0"/>
-          <a:chExt cx="0" cy="0"/>
-        </a:xfrm>
-      </p:grpSpPr>
       <p:graphicFrame>
         <p:nvGraphicFramePr>
           <p:cNvPr id="4" name="Diagram 3"/>
@@ -8008,6 +7944,45 @@
           </a:graphicData>
         </a:graphic>
       </p:graphicFrame>
+      <mc:AlternateContent xmlns:mc="http://schemas.openxmlformats.org/markup-compatibility/2006">
+        <mc:Choice xmlns:p14="http://schemas.microsoft.com/office/powerpoint/2010/main" Requires="p14">
+          <p:contentPart p14:bwMode="auto" r:id="rId7">
+            <p14:nvContentPartPr>
+              <p14:cNvPr id="2" name="Ink 1"/>
+              <p14:cNvContentPartPr/>
+              <p14:nvPr/>
+            </p14:nvContentPartPr>
+            <p14:xfrm>
+              <a:off x="3360600" y="1177200"/>
+              <a:ext cx="5778000" cy="5675400"/>
+            </p14:xfrm>
+          </p:contentPart>
+        </mc:Choice>
+        <mc:Fallback>
+          <p:pic>
+            <p:nvPicPr>
+              <p:cNvPr id="2" name="Ink 1"/>
+              <p:cNvPicPr/>
+              <p:nvPr/>
+            </p:nvPicPr>
+            <p:blipFill>
+              <a:blip r:embed="rId8"/>
+              <a:stretch>
+                <a:fillRect/>
+              </a:stretch>
+            </p:blipFill>
+            <p:spPr>
+              <a:xfrm>
+                <a:off x="3351240" y="1167840"/>
+                <a:ext cx="5796720" cy="5694120"/>
+              </a:xfrm>
+              <a:prstGeom prst="rect">
+                <a:avLst/>
+              </a:prstGeom>
+            </p:spPr>
+          </p:pic>
+        </mc:Fallback>
+      </mc:AlternateContent>
     </p:spTree>
     <p:extLst>
       <p:ext uri="{BB962C8B-B14F-4D97-AF65-F5344CB8AC3E}">
